--- a/Презентация/prezentatsia_AB_testirovanie_dlya_Udacity.pptx
+++ b/Презентация/prezentatsia_AB_testirovanie_dlya_Udacity.pptx
@@ -138,7 +138,7 @@
 
 <file path=ppt/commentAuthors.xml><?xml version="1.0" encoding="utf-8"?>
 <p:cmAuthorLst xmlns:a="http://schemas.openxmlformats.org/drawingml/2006/main" xmlns:r="http://schemas.openxmlformats.org/officeDocument/2006/relationships" xmlns:p="http://schemas.openxmlformats.org/presentationml/2006/main">
-  <p:cmAuthor id="1" name="Кирилл Фейзуллин" initials="КФ" lastIdx="1" clrIdx="0">
+  <p:cmAuthor id="1" name="Кирилл Фейзуллин" initials="КФ" lastIdx="2" clrIdx="0">
     <p:extLst>
       <p:ext uri="{19B8F6BF-5375-455C-9EA6-DF929625EA0E}">
         <p15:presenceInfo xmlns:p15="http://schemas.microsoft.com/office/powerpoint/2012/main" userId="c517405c0660087b" providerId="Windows Live"/>
@@ -294,38 +294,37 @@
           <a:p>
             <a:pPr lvl="0"/>
             <a:r>
-              <a:rPr lang="ru-RU" smtClean="0"/>
+              <a:rPr lang="ru-RU"/>
               <a:t>Образец текста</a:t>
             </a:r>
           </a:p>
           <a:p>
             <a:pPr lvl="1"/>
             <a:r>
-              <a:rPr lang="ru-RU" smtClean="0"/>
+              <a:rPr lang="ru-RU"/>
               <a:t>Второй уровень</a:t>
             </a:r>
           </a:p>
           <a:p>
             <a:pPr lvl="2"/>
             <a:r>
-              <a:rPr lang="ru-RU" smtClean="0"/>
+              <a:rPr lang="ru-RU"/>
               <a:t>Третий уровень</a:t>
             </a:r>
           </a:p>
           <a:p>
             <a:pPr lvl="3"/>
             <a:r>
-              <a:rPr lang="ru-RU" smtClean="0"/>
+              <a:rPr lang="ru-RU"/>
               <a:t>Четвертый уровень</a:t>
             </a:r>
           </a:p>
           <a:p>
             <a:pPr lvl="4"/>
             <a:r>
-              <a:rPr lang="ru-RU" smtClean="0"/>
+              <a:rPr lang="ru-RU"/>
               <a:t>Пятый уровень</a:t>
             </a:r>
-            <a:endParaRPr lang="ru-RU"/>
           </a:p>
         </p:txBody>
       </p:sp>
@@ -711,10 +710,9 @@
           </a:lstStyle>
           <a:p>
             <a:r>
-              <a:rPr lang="ru-RU" smtClean="0"/>
+              <a:rPr lang="ru-RU"/>
               <a:t>Образец заголовка</a:t>
             </a:r>
-            <a:endParaRPr lang="ru-RU"/>
           </a:p>
         </p:txBody>
       </p:sp>
@@ -776,10 +774,9 @@
           </a:lstStyle>
           <a:p>
             <a:r>
-              <a:rPr lang="ru-RU" smtClean="0"/>
+              <a:rPr lang="ru-RU"/>
               <a:t>Образец подзаголовка</a:t>
             </a:r>
-            <a:endParaRPr lang="ru-RU"/>
           </a:p>
         </p:txBody>
       </p:sp>
@@ -894,10 +891,9 @@
           <a:lstStyle/>
           <a:p>
             <a:r>
-              <a:rPr lang="ru-RU" smtClean="0"/>
+              <a:rPr lang="ru-RU"/>
               <a:t>Образец заголовка</a:t>
             </a:r>
-            <a:endParaRPr lang="ru-RU"/>
           </a:p>
         </p:txBody>
       </p:sp>
@@ -918,38 +914,37 @@
           <a:p>
             <a:pPr lvl="0"/>
             <a:r>
-              <a:rPr lang="ru-RU" smtClean="0"/>
+              <a:rPr lang="ru-RU"/>
               <a:t>Образец текста</a:t>
             </a:r>
           </a:p>
           <a:p>
             <a:pPr lvl="1"/>
             <a:r>
-              <a:rPr lang="ru-RU" smtClean="0"/>
+              <a:rPr lang="ru-RU"/>
               <a:t>Второй уровень</a:t>
             </a:r>
           </a:p>
           <a:p>
             <a:pPr lvl="2"/>
             <a:r>
-              <a:rPr lang="ru-RU" smtClean="0"/>
+              <a:rPr lang="ru-RU"/>
               <a:t>Третий уровень</a:t>
             </a:r>
           </a:p>
           <a:p>
             <a:pPr lvl="3"/>
             <a:r>
-              <a:rPr lang="ru-RU" smtClean="0"/>
+              <a:rPr lang="ru-RU"/>
               <a:t>Четвертый уровень</a:t>
             </a:r>
           </a:p>
           <a:p>
             <a:pPr lvl="4"/>
             <a:r>
-              <a:rPr lang="ru-RU" smtClean="0"/>
+              <a:rPr lang="ru-RU"/>
               <a:t>Пятый уровень</a:t>
             </a:r>
-            <a:endParaRPr lang="ru-RU"/>
           </a:p>
         </p:txBody>
       </p:sp>
@@ -1069,10 +1064,9 @@
           <a:lstStyle/>
           <a:p>
             <a:r>
-              <a:rPr lang="ru-RU" smtClean="0"/>
+              <a:rPr lang="ru-RU"/>
               <a:t>Образец заголовка</a:t>
             </a:r>
-            <a:endParaRPr lang="ru-RU"/>
           </a:p>
         </p:txBody>
       </p:sp>
@@ -1098,38 +1092,37 @@
           <a:p>
             <a:pPr lvl="0"/>
             <a:r>
-              <a:rPr lang="ru-RU" smtClean="0"/>
+              <a:rPr lang="ru-RU"/>
               <a:t>Образец текста</a:t>
             </a:r>
           </a:p>
           <a:p>
             <a:pPr lvl="1"/>
             <a:r>
-              <a:rPr lang="ru-RU" smtClean="0"/>
+              <a:rPr lang="ru-RU"/>
               <a:t>Второй уровень</a:t>
             </a:r>
           </a:p>
           <a:p>
             <a:pPr lvl="2"/>
             <a:r>
-              <a:rPr lang="ru-RU" smtClean="0"/>
+              <a:rPr lang="ru-RU"/>
               <a:t>Третий уровень</a:t>
             </a:r>
           </a:p>
           <a:p>
             <a:pPr lvl="3"/>
             <a:r>
-              <a:rPr lang="ru-RU" smtClean="0"/>
+              <a:rPr lang="ru-RU"/>
               <a:t>Четвертый уровень</a:t>
             </a:r>
           </a:p>
           <a:p>
             <a:pPr lvl="4"/>
             <a:r>
-              <a:rPr lang="ru-RU" smtClean="0"/>
+              <a:rPr lang="ru-RU"/>
               <a:t>Пятый уровень</a:t>
             </a:r>
-            <a:endParaRPr lang="ru-RU"/>
           </a:p>
         </p:txBody>
       </p:sp>
@@ -1812,7 +1805,7 @@
           </a:lstStyle>
           <a:p>
             <a:r>
-              <a:rPr lang="ru-RU" smtClean="0"/>
+              <a:rPr lang="ru-RU"/>
               <a:t>Образец заголовка</a:t>
             </a:r>
             <a:endParaRPr lang="en-US" dirty="0"/>
@@ -1932,7 +1925,7 @@
           </a:lstStyle>
           <a:p>
             <a:r>
-              <a:rPr lang="ru-RU" smtClean="0"/>
+              <a:rPr lang="ru-RU"/>
               <a:t>Образец подзаголовка</a:t>
             </a:r>
             <a:endParaRPr lang="en-US" dirty="0"/>
@@ -2050,7 +2043,7 @@
           <a:lstStyle/>
           <a:p>
             <a:r>
-              <a:rPr lang="ru-RU" smtClean="0"/>
+              <a:rPr lang="ru-RU"/>
               <a:t>Образец заголовка</a:t>
             </a:r>
             <a:endParaRPr lang="en-US" dirty="0"/>
@@ -2074,35 +2067,35 @@
           <a:p>
             <a:pPr lvl="0"/>
             <a:r>
-              <a:rPr lang="ru-RU" smtClean="0"/>
+              <a:rPr lang="ru-RU"/>
               <a:t>Образец текста</a:t>
             </a:r>
           </a:p>
           <a:p>
             <a:pPr lvl="1"/>
             <a:r>
-              <a:rPr lang="ru-RU" smtClean="0"/>
+              <a:rPr lang="ru-RU"/>
               <a:t>Второй уровень</a:t>
             </a:r>
           </a:p>
           <a:p>
             <a:pPr lvl="2"/>
             <a:r>
-              <a:rPr lang="ru-RU" smtClean="0"/>
+              <a:rPr lang="ru-RU"/>
               <a:t>Третий уровень</a:t>
             </a:r>
           </a:p>
           <a:p>
             <a:pPr lvl="3"/>
             <a:r>
-              <a:rPr lang="ru-RU" smtClean="0"/>
+              <a:rPr lang="ru-RU"/>
               <a:t>Четвертый уровень</a:t>
             </a:r>
           </a:p>
           <a:p>
             <a:pPr lvl="4"/>
             <a:r>
-              <a:rPr lang="ru-RU" smtClean="0"/>
+              <a:rPr lang="ru-RU"/>
               <a:t>Пятый уровень</a:t>
             </a:r>
             <a:endParaRPr lang="en-US" dirty="0"/>
@@ -2229,7 +2222,7 @@
           </a:lstStyle>
           <a:p>
             <a:r>
-              <a:rPr lang="ru-RU" smtClean="0"/>
+              <a:rPr lang="ru-RU"/>
               <a:t>Образец заголовка</a:t>
             </a:r>
             <a:endParaRPr lang="en-US" dirty="0"/>
@@ -2350,7 +2343,7 @@
           <a:p>
             <a:pPr lvl="0"/>
             <a:r>
-              <a:rPr lang="ru-RU" smtClean="0"/>
+              <a:rPr lang="ru-RU"/>
               <a:t>Образец текста</a:t>
             </a:r>
           </a:p>
@@ -2467,7 +2460,7 @@
           <a:lstStyle/>
           <a:p>
             <a:r>
-              <a:rPr lang="ru-RU" smtClean="0"/>
+              <a:rPr lang="ru-RU"/>
               <a:t>Образец заголовка</a:t>
             </a:r>
             <a:endParaRPr lang="en-US" dirty="0"/>
@@ -2496,35 +2489,35 @@
           <a:p>
             <a:pPr lvl="0"/>
             <a:r>
-              <a:rPr lang="ru-RU" smtClean="0"/>
+              <a:rPr lang="ru-RU"/>
               <a:t>Образец текста</a:t>
             </a:r>
           </a:p>
           <a:p>
             <a:pPr lvl="1"/>
             <a:r>
-              <a:rPr lang="ru-RU" smtClean="0"/>
+              <a:rPr lang="ru-RU"/>
               <a:t>Второй уровень</a:t>
             </a:r>
           </a:p>
           <a:p>
             <a:pPr lvl="2"/>
             <a:r>
-              <a:rPr lang="ru-RU" smtClean="0"/>
+              <a:rPr lang="ru-RU"/>
               <a:t>Третий уровень</a:t>
             </a:r>
           </a:p>
           <a:p>
             <a:pPr lvl="3"/>
             <a:r>
-              <a:rPr lang="ru-RU" smtClean="0"/>
+              <a:rPr lang="ru-RU"/>
               <a:t>Четвертый уровень</a:t>
             </a:r>
           </a:p>
           <a:p>
             <a:pPr lvl="4"/>
             <a:r>
-              <a:rPr lang="ru-RU" smtClean="0"/>
+              <a:rPr lang="ru-RU"/>
               <a:t>Пятый уровень</a:t>
             </a:r>
             <a:endParaRPr lang="en-US" dirty="0"/>
@@ -2553,35 +2546,35 @@
           <a:p>
             <a:pPr lvl="0"/>
             <a:r>
-              <a:rPr lang="ru-RU" smtClean="0"/>
+              <a:rPr lang="ru-RU"/>
               <a:t>Образец текста</a:t>
             </a:r>
           </a:p>
           <a:p>
             <a:pPr lvl="1"/>
             <a:r>
-              <a:rPr lang="ru-RU" smtClean="0"/>
+              <a:rPr lang="ru-RU"/>
               <a:t>Второй уровень</a:t>
             </a:r>
           </a:p>
           <a:p>
             <a:pPr lvl="2"/>
             <a:r>
-              <a:rPr lang="ru-RU" smtClean="0"/>
+              <a:rPr lang="ru-RU"/>
               <a:t>Третий уровень</a:t>
             </a:r>
           </a:p>
           <a:p>
             <a:pPr lvl="3"/>
             <a:r>
-              <a:rPr lang="ru-RU" smtClean="0"/>
+              <a:rPr lang="ru-RU"/>
               <a:t>Четвертый уровень</a:t>
             </a:r>
           </a:p>
           <a:p>
             <a:pPr lvl="4"/>
             <a:r>
-              <a:rPr lang="ru-RU" smtClean="0"/>
+              <a:rPr lang="ru-RU"/>
               <a:t>Пятый уровень</a:t>
             </a:r>
             <a:endParaRPr lang="en-US" dirty="0"/>
@@ -2703,7 +2696,7 @@
           </a:lstStyle>
           <a:p>
             <a:r>
-              <a:rPr lang="ru-RU" smtClean="0"/>
+              <a:rPr lang="ru-RU"/>
               <a:t>Образец заголовка</a:t>
             </a:r>
             <a:endParaRPr lang="en-US" dirty="0"/>
@@ -2771,7 +2764,7 @@
           <a:p>
             <a:pPr lvl="0"/>
             <a:r>
-              <a:rPr lang="ru-RU" smtClean="0"/>
+              <a:rPr lang="ru-RU"/>
               <a:t>Образец текста</a:t>
             </a:r>
           </a:p>
@@ -2801,35 +2794,35 @@
           <a:p>
             <a:pPr lvl="0"/>
             <a:r>
-              <a:rPr lang="ru-RU" smtClean="0"/>
+              <a:rPr lang="ru-RU"/>
               <a:t>Образец текста</a:t>
             </a:r>
           </a:p>
           <a:p>
             <a:pPr lvl="1"/>
             <a:r>
-              <a:rPr lang="ru-RU" smtClean="0"/>
+              <a:rPr lang="ru-RU"/>
               <a:t>Второй уровень</a:t>
             </a:r>
           </a:p>
           <a:p>
             <a:pPr lvl="2"/>
             <a:r>
-              <a:rPr lang="ru-RU" smtClean="0"/>
+              <a:rPr lang="ru-RU"/>
               <a:t>Третий уровень</a:t>
             </a:r>
           </a:p>
           <a:p>
             <a:pPr lvl="3"/>
             <a:r>
-              <a:rPr lang="ru-RU" smtClean="0"/>
+              <a:rPr lang="ru-RU"/>
               <a:t>Четвертый уровень</a:t>
             </a:r>
           </a:p>
           <a:p>
             <a:pPr lvl="4"/>
             <a:r>
-              <a:rPr lang="ru-RU" smtClean="0"/>
+              <a:rPr lang="ru-RU"/>
               <a:t>Пятый уровень</a:t>
             </a:r>
             <a:endParaRPr lang="en-US" dirty="0"/>
@@ -2897,7 +2890,7 @@
           <a:p>
             <a:pPr lvl="0"/>
             <a:r>
-              <a:rPr lang="ru-RU" smtClean="0"/>
+              <a:rPr lang="ru-RU"/>
               <a:t>Образец текста</a:t>
             </a:r>
           </a:p>
@@ -2927,35 +2920,35 @@
           <a:p>
             <a:pPr lvl="0"/>
             <a:r>
-              <a:rPr lang="ru-RU" smtClean="0"/>
+              <a:rPr lang="ru-RU"/>
               <a:t>Образец текста</a:t>
             </a:r>
           </a:p>
           <a:p>
             <a:pPr lvl="1"/>
             <a:r>
-              <a:rPr lang="ru-RU" smtClean="0"/>
+              <a:rPr lang="ru-RU"/>
               <a:t>Второй уровень</a:t>
             </a:r>
           </a:p>
           <a:p>
             <a:pPr lvl="2"/>
             <a:r>
-              <a:rPr lang="ru-RU" smtClean="0"/>
+              <a:rPr lang="ru-RU"/>
               <a:t>Третий уровень</a:t>
             </a:r>
           </a:p>
           <a:p>
             <a:pPr lvl="3"/>
             <a:r>
-              <a:rPr lang="ru-RU" smtClean="0"/>
+              <a:rPr lang="ru-RU"/>
               <a:t>Четвертый уровень</a:t>
             </a:r>
           </a:p>
           <a:p>
             <a:pPr lvl="4"/>
             <a:r>
-              <a:rPr lang="ru-RU" smtClean="0"/>
+              <a:rPr lang="ru-RU"/>
               <a:t>Пятый уровень</a:t>
             </a:r>
             <a:endParaRPr lang="en-US" dirty="0"/>
@@ -3078,7 +3071,7 @@
           <a:lstStyle/>
           <a:p>
             <a:r>
-              <a:rPr lang="ru-RU" smtClean="0"/>
+              <a:rPr lang="ru-RU"/>
               <a:t>Образец заголовка</a:t>
             </a:r>
             <a:endParaRPr lang="en-US" dirty="0"/>
@@ -3302,7 +3295,7 @@
           </a:lstStyle>
           <a:p>
             <a:r>
-              <a:rPr lang="ru-RU" smtClean="0"/>
+              <a:rPr lang="ru-RU"/>
               <a:t>Образец заголовка</a:t>
             </a:r>
             <a:endParaRPr lang="en-US" dirty="0"/>
@@ -3333,35 +3326,35 @@
           <a:p>
             <a:pPr lvl="0"/>
             <a:r>
-              <a:rPr lang="ru-RU" smtClean="0"/>
+              <a:rPr lang="ru-RU"/>
               <a:t>Образец текста</a:t>
             </a:r>
           </a:p>
           <a:p>
             <a:pPr lvl="1"/>
             <a:r>
-              <a:rPr lang="ru-RU" smtClean="0"/>
+              <a:rPr lang="ru-RU"/>
               <a:t>Второй уровень</a:t>
             </a:r>
           </a:p>
           <a:p>
             <a:pPr lvl="2"/>
             <a:r>
-              <a:rPr lang="ru-RU" smtClean="0"/>
+              <a:rPr lang="ru-RU"/>
               <a:t>Третий уровень</a:t>
             </a:r>
           </a:p>
           <a:p>
             <a:pPr lvl="3"/>
             <a:r>
-              <a:rPr lang="ru-RU" smtClean="0"/>
+              <a:rPr lang="ru-RU"/>
               <a:t>Четвертый уровень</a:t>
             </a:r>
           </a:p>
           <a:p>
             <a:pPr lvl="4"/>
             <a:r>
-              <a:rPr lang="ru-RU" smtClean="0"/>
+              <a:rPr lang="ru-RU"/>
               <a:t>Пятый уровень</a:t>
             </a:r>
             <a:endParaRPr lang="en-US" dirty="0"/>
@@ -3429,7 +3422,7 @@
           <a:p>
             <a:pPr lvl="0"/>
             <a:r>
-              <a:rPr lang="ru-RU" smtClean="0"/>
+              <a:rPr lang="ru-RU"/>
               <a:t>Образец текста</a:t>
             </a:r>
           </a:p>
@@ -3546,10 +3539,9 @@
           <a:lstStyle/>
           <a:p>
             <a:r>
-              <a:rPr lang="ru-RU" smtClean="0"/>
+              <a:rPr lang="ru-RU"/>
               <a:t>Образец заголовка</a:t>
             </a:r>
-            <a:endParaRPr lang="ru-RU"/>
           </a:p>
         </p:txBody>
       </p:sp>
@@ -3570,38 +3562,37 @@
           <a:p>
             <a:pPr lvl="0"/>
             <a:r>
-              <a:rPr lang="ru-RU" smtClean="0"/>
+              <a:rPr lang="ru-RU"/>
               <a:t>Образец текста</a:t>
             </a:r>
           </a:p>
           <a:p>
             <a:pPr lvl="1"/>
             <a:r>
-              <a:rPr lang="ru-RU" smtClean="0"/>
+              <a:rPr lang="ru-RU"/>
               <a:t>Второй уровень</a:t>
             </a:r>
           </a:p>
           <a:p>
             <a:pPr lvl="2"/>
             <a:r>
-              <a:rPr lang="ru-RU" smtClean="0"/>
+              <a:rPr lang="ru-RU"/>
               <a:t>Третий уровень</a:t>
             </a:r>
           </a:p>
           <a:p>
             <a:pPr lvl="3"/>
             <a:r>
-              <a:rPr lang="ru-RU" smtClean="0"/>
+              <a:rPr lang="ru-RU"/>
               <a:t>Четвертый уровень</a:t>
             </a:r>
           </a:p>
           <a:p>
             <a:pPr lvl="4"/>
             <a:r>
-              <a:rPr lang="ru-RU" smtClean="0"/>
+              <a:rPr lang="ru-RU"/>
               <a:t>Пятый уровень</a:t>
             </a:r>
-            <a:endParaRPr lang="ru-RU"/>
           </a:p>
         </p:txBody>
       </p:sp>
@@ -3727,7 +3718,7 @@
           </a:lstStyle>
           <a:p>
             <a:r>
-              <a:rPr lang="ru-RU" smtClean="0"/>
+              <a:rPr lang="ru-RU"/>
               <a:t>Образец заголовка</a:t>
             </a:r>
             <a:endParaRPr lang="en-US" dirty="0"/>
@@ -3794,7 +3785,7 @@
           </a:lstStyle>
           <a:p>
             <a:r>
-              <a:rPr lang="ru-RU" smtClean="0"/>
+              <a:rPr lang="ru-RU"/>
               <a:t>Вставка рисунка</a:t>
             </a:r>
             <a:endParaRPr lang="en-US" dirty="0"/>
@@ -3862,7 +3853,7 @@
           <a:p>
             <a:pPr lvl="0"/>
             <a:r>
-              <a:rPr lang="ru-RU" smtClean="0"/>
+              <a:rPr lang="ru-RU"/>
               <a:t>Образец текста</a:t>
             </a:r>
           </a:p>
@@ -3990,7 +3981,7 @@
           </a:lstStyle>
           <a:p>
             <a:r>
-              <a:rPr lang="ru-RU" smtClean="0"/>
+              <a:rPr lang="ru-RU"/>
               <a:t>Образец заголовка</a:t>
             </a:r>
             <a:endParaRPr lang="en-US" dirty="0"/>
@@ -4113,7 +4104,7 @@
           <a:p>
             <a:pPr lvl="0"/>
             <a:r>
-              <a:rPr lang="ru-RU" smtClean="0"/>
+              <a:rPr lang="ru-RU"/>
               <a:t>Образец текста</a:t>
             </a:r>
           </a:p>
@@ -4242,7 +4233,7 @@
           </a:lstStyle>
           <a:p>
             <a:r>
-              <a:rPr lang="ru-RU" smtClean="0"/>
+              <a:rPr lang="ru-RU"/>
               <a:t>Образец заголовка</a:t>
             </a:r>
             <a:endParaRPr lang="en-US" dirty="0"/>
@@ -4306,7 +4297,7 @@
           <a:p>
             <a:pPr lvl="0"/>
             <a:r>
-              <a:rPr lang="ru-RU" smtClean="0"/>
+              <a:rPr lang="ru-RU"/>
               <a:t>Образец текста</a:t>
             </a:r>
           </a:p>
@@ -4428,7 +4419,7 @@
           <a:p>
             <a:pPr lvl="0"/>
             <a:r>
-              <a:rPr lang="ru-RU" smtClean="0"/>
+              <a:rPr lang="ru-RU"/>
               <a:t>Образец текста</a:t>
             </a:r>
           </a:p>
@@ -4639,7 +4630,7 @@
           </a:lstStyle>
           <a:p>
             <a:r>
-              <a:rPr lang="ru-RU" smtClean="0"/>
+              <a:rPr lang="ru-RU"/>
               <a:t>Образец заголовка</a:t>
             </a:r>
             <a:endParaRPr lang="en-US" dirty="0"/>
@@ -4762,7 +4753,7 @@
           <a:p>
             <a:pPr lvl="0"/>
             <a:r>
-              <a:rPr lang="ru-RU" smtClean="0"/>
+              <a:rPr lang="ru-RU"/>
               <a:t>Образец текста</a:t>
             </a:r>
           </a:p>
@@ -4891,7 +4882,7 @@
           </a:lstStyle>
           <a:p>
             <a:r>
-              <a:rPr lang="ru-RU" smtClean="0"/>
+              <a:rPr lang="ru-RU"/>
               <a:t>Образец заголовка</a:t>
             </a:r>
             <a:endParaRPr lang="en-US" dirty="0"/>
@@ -4955,7 +4946,7 @@
           <a:p>
             <a:pPr lvl="0"/>
             <a:r>
-              <a:rPr lang="ru-RU" smtClean="0"/>
+              <a:rPr lang="ru-RU"/>
               <a:t>Образец текста</a:t>
             </a:r>
           </a:p>
@@ -5077,7 +5068,7 @@
           <a:p>
             <a:pPr lvl="0"/>
             <a:r>
-              <a:rPr lang="ru-RU" smtClean="0"/>
+              <a:rPr lang="ru-RU"/>
               <a:t>Образец текста</a:t>
             </a:r>
           </a:p>
@@ -5288,7 +5279,7 @@
           </a:lstStyle>
           <a:p>
             <a:r>
-              <a:rPr lang="ru-RU" smtClean="0"/>
+              <a:rPr lang="ru-RU"/>
               <a:t>Образец заголовка</a:t>
             </a:r>
             <a:endParaRPr lang="en-US" dirty="0"/>
@@ -5349,7 +5340,7 @@
           <a:p>
             <a:pPr lvl="0"/>
             <a:r>
-              <a:rPr lang="ru-RU" smtClean="0"/>
+              <a:rPr lang="ru-RU"/>
               <a:t>Образец текста</a:t>
             </a:r>
           </a:p>
@@ -5471,7 +5462,7 @@
           <a:p>
             <a:pPr lvl="0"/>
             <a:r>
-              <a:rPr lang="ru-RU" smtClean="0"/>
+              <a:rPr lang="ru-RU"/>
               <a:t>Образец текста</a:t>
             </a:r>
           </a:p>
@@ -5589,7 +5580,7 @@
           <a:lstStyle/>
           <a:p>
             <a:r>
-              <a:rPr lang="ru-RU" smtClean="0"/>
+              <a:rPr lang="ru-RU"/>
               <a:t>Образец заголовка</a:t>
             </a:r>
             <a:endParaRPr lang="en-US" dirty="0"/>
@@ -5613,35 +5604,35 @@
           <a:p>
             <a:pPr lvl="0"/>
             <a:r>
-              <a:rPr lang="ru-RU" smtClean="0"/>
+              <a:rPr lang="ru-RU"/>
               <a:t>Образец текста</a:t>
             </a:r>
           </a:p>
           <a:p>
             <a:pPr lvl="1"/>
             <a:r>
-              <a:rPr lang="ru-RU" smtClean="0"/>
+              <a:rPr lang="ru-RU"/>
               <a:t>Второй уровень</a:t>
             </a:r>
           </a:p>
           <a:p>
             <a:pPr lvl="2"/>
             <a:r>
-              <a:rPr lang="ru-RU" smtClean="0"/>
+              <a:rPr lang="ru-RU"/>
               <a:t>Третий уровень</a:t>
             </a:r>
           </a:p>
           <a:p>
             <a:pPr lvl="3"/>
             <a:r>
-              <a:rPr lang="ru-RU" smtClean="0"/>
+              <a:rPr lang="ru-RU"/>
               <a:t>Четвертый уровень</a:t>
             </a:r>
           </a:p>
           <a:p>
             <a:pPr lvl="4"/>
             <a:r>
-              <a:rPr lang="ru-RU" smtClean="0"/>
+              <a:rPr lang="ru-RU"/>
               <a:t>Пятый уровень</a:t>
             </a:r>
             <a:endParaRPr lang="en-US" dirty="0"/>
@@ -5764,7 +5755,7 @@
           <a:lstStyle/>
           <a:p>
             <a:r>
-              <a:rPr lang="ru-RU" smtClean="0"/>
+              <a:rPr lang="ru-RU"/>
               <a:t>Образец заголовка</a:t>
             </a:r>
             <a:endParaRPr lang="en-US" dirty="0"/>
@@ -5793,35 +5784,35 @@
           <a:p>
             <a:pPr lvl="0"/>
             <a:r>
-              <a:rPr lang="ru-RU" smtClean="0"/>
+              <a:rPr lang="ru-RU"/>
               <a:t>Образец текста</a:t>
             </a:r>
           </a:p>
           <a:p>
             <a:pPr lvl="1"/>
             <a:r>
-              <a:rPr lang="ru-RU" smtClean="0"/>
+              <a:rPr lang="ru-RU"/>
               <a:t>Второй уровень</a:t>
             </a:r>
           </a:p>
           <a:p>
             <a:pPr lvl="2"/>
             <a:r>
-              <a:rPr lang="ru-RU" smtClean="0"/>
+              <a:rPr lang="ru-RU"/>
               <a:t>Третий уровень</a:t>
             </a:r>
           </a:p>
           <a:p>
             <a:pPr lvl="3"/>
             <a:r>
-              <a:rPr lang="ru-RU" smtClean="0"/>
+              <a:rPr lang="ru-RU"/>
               <a:t>Четвертый уровень</a:t>
             </a:r>
           </a:p>
           <a:p>
             <a:pPr lvl="4"/>
             <a:r>
-              <a:rPr lang="ru-RU" smtClean="0"/>
+              <a:rPr lang="ru-RU"/>
               <a:t>Пятый уровень</a:t>
             </a:r>
             <a:endParaRPr lang="en-US" dirty="0"/>
@@ -5948,10 +5939,9 @@
           </a:lstStyle>
           <a:p>
             <a:r>
-              <a:rPr lang="ru-RU" smtClean="0"/>
+              <a:rPr lang="ru-RU"/>
               <a:t>Образец заголовка</a:t>
             </a:r>
-            <a:endParaRPr lang="ru-RU"/>
           </a:p>
         </p:txBody>
       </p:sp>
@@ -6068,7 +6058,7 @@
           <a:p>
             <a:pPr lvl="0"/>
             <a:r>
-              <a:rPr lang="ru-RU" smtClean="0"/>
+              <a:rPr lang="ru-RU"/>
               <a:t>Образец текста</a:t>
             </a:r>
           </a:p>
@@ -6185,10 +6175,9 @@
           <a:lstStyle/>
           <a:p>
             <a:r>
-              <a:rPr lang="ru-RU" smtClean="0"/>
+              <a:rPr lang="ru-RU"/>
               <a:t>Образец заголовка</a:t>
             </a:r>
-            <a:endParaRPr lang="ru-RU"/>
           </a:p>
         </p:txBody>
       </p:sp>
@@ -6214,38 +6203,37 @@
           <a:p>
             <a:pPr lvl="0"/>
             <a:r>
-              <a:rPr lang="ru-RU" smtClean="0"/>
+              <a:rPr lang="ru-RU"/>
               <a:t>Образец текста</a:t>
             </a:r>
           </a:p>
           <a:p>
             <a:pPr lvl="1"/>
             <a:r>
-              <a:rPr lang="ru-RU" smtClean="0"/>
+              <a:rPr lang="ru-RU"/>
               <a:t>Второй уровень</a:t>
             </a:r>
           </a:p>
           <a:p>
             <a:pPr lvl="2"/>
             <a:r>
-              <a:rPr lang="ru-RU" smtClean="0"/>
+              <a:rPr lang="ru-RU"/>
               <a:t>Третий уровень</a:t>
             </a:r>
           </a:p>
           <a:p>
             <a:pPr lvl="3"/>
             <a:r>
-              <a:rPr lang="ru-RU" smtClean="0"/>
+              <a:rPr lang="ru-RU"/>
               <a:t>Четвертый уровень</a:t>
             </a:r>
           </a:p>
           <a:p>
             <a:pPr lvl="4"/>
             <a:r>
-              <a:rPr lang="ru-RU" smtClean="0"/>
+              <a:rPr lang="ru-RU"/>
               <a:t>Пятый уровень</a:t>
             </a:r>
-            <a:endParaRPr lang="ru-RU"/>
           </a:p>
         </p:txBody>
       </p:sp>
@@ -6271,38 +6259,37 @@
           <a:p>
             <a:pPr lvl="0"/>
             <a:r>
-              <a:rPr lang="ru-RU" smtClean="0"/>
+              <a:rPr lang="ru-RU"/>
               <a:t>Образец текста</a:t>
             </a:r>
           </a:p>
           <a:p>
             <a:pPr lvl="1"/>
             <a:r>
-              <a:rPr lang="ru-RU" smtClean="0"/>
+              <a:rPr lang="ru-RU"/>
               <a:t>Второй уровень</a:t>
             </a:r>
           </a:p>
           <a:p>
             <a:pPr lvl="2"/>
             <a:r>
-              <a:rPr lang="ru-RU" smtClean="0"/>
+              <a:rPr lang="ru-RU"/>
               <a:t>Третий уровень</a:t>
             </a:r>
           </a:p>
           <a:p>
             <a:pPr lvl="3"/>
             <a:r>
-              <a:rPr lang="ru-RU" smtClean="0"/>
+              <a:rPr lang="ru-RU"/>
               <a:t>Четвертый уровень</a:t>
             </a:r>
           </a:p>
           <a:p>
             <a:pPr lvl="4"/>
             <a:r>
-              <a:rPr lang="ru-RU" smtClean="0"/>
+              <a:rPr lang="ru-RU"/>
               <a:t>Пятый уровень</a:t>
             </a:r>
-            <a:endParaRPr lang="ru-RU"/>
           </a:p>
         </p:txBody>
       </p:sp>
@@ -6422,10 +6409,9 @@
           <a:lstStyle/>
           <a:p>
             <a:r>
-              <a:rPr lang="ru-RU" smtClean="0"/>
+              <a:rPr lang="ru-RU"/>
               <a:t>Образец заголовка</a:t>
             </a:r>
-            <a:endParaRPr lang="ru-RU"/>
           </a:p>
         </p:txBody>
       </p:sp>
@@ -6488,7 +6474,7 @@
           <a:p>
             <a:pPr lvl="0"/>
             <a:r>
-              <a:rPr lang="ru-RU" smtClean="0"/>
+              <a:rPr lang="ru-RU"/>
               <a:t>Образец текста</a:t>
             </a:r>
           </a:p>
@@ -6516,38 +6502,37 @@
           <a:p>
             <a:pPr lvl="0"/>
             <a:r>
-              <a:rPr lang="ru-RU" smtClean="0"/>
+              <a:rPr lang="ru-RU"/>
               <a:t>Образец текста</a:t>
             </a:r>
           </a:p>
           <a:p>
             <a:pPr lvl="1"/>
             <a:r>
-              <a:rPr lang="ru-RU" smtClean="0"/>
+              <a:rPr lang="ru-RU"/>
               <a:t>Второй уровень</a:t>
             </a:r>
           </a:p>
           <a:p>
             <a:pPr lvl="2"/>
             <a:r>
-              <a:rPr lang="ru-RU" smtClean="0"/>
+              <a:rPr lang="ru-RU"/>
               <a:t>Третий уровень</a:t>
             </a:r>
           </a:p>
           <a:p>
             <a:pPr lvl="3"/>
             <a:r>
-              <a:rPr lang="ru-RU" smtClean="0"/>
+              <a:rPr lang="ru-RU"/>
               <a:t>Четвертый уровень</a:t>
             </a:r>
           </a:p>
           <a:p>
             <a:pPr lvl="4"/>
             <a:r>
-              <a:rPr lang="ru-RU" smtClean="0"/>
+              <a:rPr lang="ru-RU"/>
               <a:t>Пятый уровень</a:t>
             </a:r>
-            <a:endParaRPr lang="ru-RU"/>
           </a:p>
         </p:txBody>
       </p:sp>
@@ -6610,7 +6595,7 @@
           <a:p>
             <a:pPr lvl="0"/>
             <a:r>
-              <a:rPr lang="ru-RU" smtClean="0"/>
+              <a:rPr lang="ru-RU"/>
               <a:t>Образец текста</a:t>
             </a:r>
           </a:p>
@@ -6638,38 +6623,37 @@
           <a:p>
             <a:pPr lvl="0"/>
             <a:r>
-              <a:rPr lang="ru-RU" smtClean="0"/>
+              <a:rPr lang="ru-RU"/>
               <a:t>Образец текста</a:t>
             </a:r>
           </a:p>
           <a:p>
             <a:pPr lvl="1"/>
             <a:r>
-              <a:rPr lang="ru-RU" smtClean="0"/>
+              <a:rPr lang="ru-RU"/>
               <a:t>Второй уровень</a:t>
             </a:r>
           </a:p>
           <a:p>
             <a:pPr lvl="2"/>
             <a:r>
-              <a:rPr lang="ru-RU" smtClean="0"/>
+              <a:rPr lang="ru-RU"/>
               <a:t>Третий уровень</a:t>
             </a:r>
           </a:p>
           <a:p>
             <a:pPr lvl="3"/>
             <a:r>
-              <a:rPr lang="ru-RU" smtClean="0"/>
+              <a:rPr lang="ru-RU"/>
               <a:t>Четвертый уровень</a:t>
             </a:r>
           </a:p>
           <a:p>
             <a:pPr lvl="4"/>
             <a:r>
-              <a:rPr lang="ru-RU" smtClean="0"/>
+              <a:rPr lang="ru-RU"/>
               <a:t>Пятый уровень</a:t>
             </a:r>
-            <a:endParaRPr lang="ru-RU"/>
           </a:p>
         </p:txBody>
       </p:sp>
@@ -6784,10 +6768,9 @@
           <a:lstStyle/>
           <a:p>
             <a:r>
-              <a:rPr lang="ru-RU" smtClean="0"/>
+              <a:rPr lang="ru-RU"/>
               <a:t>Образец заголовка</a:t>
             </a:r>
-            <a:endParaRPr lang="ru-RU"/>
           </a:p>
         </p:txBody>
       </p:sp>
@@ -7006,10 +6989,9 @@
           </a:lstStyle>
           <a:p>
             <a:r>
-              <a:rPr lang="ru-RU" smtClean="0"/>
+              <a:rPr lang="ru-RU"/>
               <a:t>Образец заголовка</a:t>
             </a:r>
-            <a:endParaRPr lang="ru-RU"/>
           </a:p>
         </p:txBody>
       </p:sp>
@@ -7063,38 +7045,37 @@
           <a:p>
             <a:pPr lvl="0"/>
             <a:r>
-              <a:rPr lang="ru-RU" smtClean="0"/>
+              <a:rPr lang="ru-RU"/>
               <a:t>Образец текста</a:t>
             </a:r>
           </a:p>
           <a:p>
             <a:pPr lvl="1"/>
             <a:r>
-              <a:rPr lang="ru-RU" smtClean="0"/>
+              <a:rPr lang="ru-RU"/>
               <a:t>Второй уровень</a:t>
             </a:r>
           </a:p>
           <a:p>
             <a:pPr lvl="2"/>
             <a:r>
-              <a:rPr lang="ru-RU" smtClean="0"/>
+              <a:rPr lang="ru-RU"/>
               <a:t>Третий уровень</a:t>
             </a:r>
           </a:p>
           <a:p>
             <a:pPr lvl="3"/>
             <a:r>
-              <a:rPr lang="ru-RU" smtClean="0"/>
+              <a:rPr lang="ru-RU"/>
               <a:t>Четвертый уровень</a:t>
             </a:r>
           </a:p>
           <a:p>
             <a:pPr lvl="4"/>
             <a:r>
-              <a:rPr lang="ru-RU" smtClean="0"/>
+              <a:rPr lang="ru-RU"/>
               <a:t>Пятый уровень</a:t>
             </a:r>
-            <a:endParaRPr lang="ru-RU"/>
           </a:p>
         </p:txBody>
       </p:sp>
@@ -7157,7 +7138,7 @@
           <a:p>
             <a:pPr lvl="0"/>
             <a:r>
-              <a:rPr lang="ru-RU" smtClean="0"/>
+              <a:rPr lang="ru-RU"/>
               <a:t>Образец текста</a:t>
             </a:r>
           </a:p>
@@ -7283,10 +7264,9 @@
           </a:lstStyle>
           <a:p>
             <a:r>
-              <a:rPr lang="ru-RU" smtClean="0"/>
+              <a:rPr lang="ru-RU"/>
               <a:t>Образец заголовка</a:t>
             </a:r>
-            <a:endParaRPr lang="ru-RU"/>
           </a:p>
         </p:txBody>
       </p:sp>
@@ -7410,7 +7390,7 @@
           <a:p>
             <a:pPr lvl="0"/>
             <a:r>
-              <a:rPr lang="ru-RU" smtClean="0"/>
+              <a:rPr lang="ru-RU"/>
               <a:t>Образец текста</a:t>
             </a:r>
           </a:p>
@@ -7542,10 +7522,9 @@
           <a:lstStyle/>
           <a:p>
             <a:r>
-              <a:rPr lang="ru-RU" smtClean="0"/>
+              <a:rPr lang="ru-RU"/>
               <a:t>Образец заголовка</a:t>
             </a:r>
-            <a:endParaRPr lang="ru-RU"/>
           </a:p>
         </p:txBody>
       </p:sp>
@@ -7576,38 +7555,37 @@
           <a:p>
             <a:pPr lvl="0"/>
             <a:r>
-              <a:rPr lang="ru-RU" smtClean="0"/>
+              <a:rPr lang="ru-RU"/>
               <a:t>Образец текста</a:t>
             </a:r>
           </a:p>
           <a:p>
             <a:pPr lvl="1"/>
             <a:r>
-              <a:rPr lang="ru-RU" smtClean="0"/>
+              <a:rPr lang="ru-RU"/>
               <a:t>Второй уровень</a:t>
             </a:r>
           </a:p>
           <a:p>
             <a:pPr lvl="2"/>
             <a:r>
-              <a:rPr lang="ru-RU" smtClean="0"/>
+              <a:rPr lang="ru-RU"/>
               <a:t>Третий уровень</a:t>
             </a:r>
           </a:p>
           <a:p>
             <a:pPr lvl="3"/>
             <a:r>
-              <a:rPr lang="ru-RU" smtClean="0"/>
+              <a:rPr lang="ru-RU"/>
               <a:t>Четвертый уровень</a:t>
             </a:r>
           </a:p>
           <a:p>
             <a:pPr lvl="4"/>
             <a:r>
-              <a:rPr lang="ru-RU" smtClean="0"/>
+              <a:rPr lang="ru-RU"/>
               <a:t>Пятый уровень</a:t>
             </a:r>
-            <a:endParaRPr lang="ru-RU"/>
           </a:p>
         </p:txBody>
       </p:sp>
@@ -8614,7 +8592,7 @@
           <a:lstStyle/>
           <a:p>
             <a:r>
-              <a:rPr lang="ru-RU" smtClean="0"/>
+              <a:rPr lang="ru-RU"/>
               <a:t>Образец заголовка</a:t>
             </a:r>
             <a:endParaRPr lang="en-US" dirty="0"/>
@@ -8648,35 +8626,35 @@
           <a:p>
             <a:pPr lvl="0"/>
             <a:r>
-              <a:rPr lang="ru-RU" smtClean="0"/>
+              <a:rPr lang="ru-RU"/>
               <a:t>Образец текста</a:t>
             </a:r>
           </a:p>
           <a:p>
             <a:pPr lvl="1"/>
             <a:r>
-              <a:rPr lang="ru-RU" smtClean="0"/>
+              <a:rPr lang="ru-RU"/>
               <a:t>Второй уровень</a:t>
             </a:r>
           </a:p>
           <a:p>
             <a:pPr lvl="2"/>
             <a:r>
-              <a:rPr lang="ru-RU" smtClean="0"/>
+              <a:rPr lang="ru-RU"/>
               <a:t>Третий уровень</a:t>
             </a:r>
           </a:p>
           <a:p>
             <a:pPr lvl="3"/>
             <a:r>
-              <a:rPr lang="ru-RU" smtClean="0"/>
+              <a:rPr lang="ru-RU"/>
               <a:t>Четвертый уровень</a:t>
             </a:r>
           </a:p>
           <a:p>
             <a:pPr lvl="4"/>
             <a:r>
-              <a:rPr lang="ru-RU" smtClean="0"/>
+              <a:rPr lang="ru-RU"/>
               <a:t>Пятый уровень</a:t>
             </a:r>
             <a:endParaRPr lang="en-US" dirty="0"/>
@@ -9265,7 +9243,7 @@
           <a:p>
             <a:pPr algn="ctr"/>
             <a:r>
-              <a:rPr lang="en-US" dirty="0" smtClean="0">
+              <a:rPr lang="en-US" dirty="0">
                 <a:solidFill>
                   <a:schemeClr val="tx1"/>
                 </a:solidFill>
@@ -9273,7 +9251,7 @@
               <a:t>AB – </a:t>
             </a:r>
             <a:r>
-              <a:rPr lang="ru-RU" dirty="0" smtClean="0">
+              <a:rPr lang="ru-RU" dirty="0">
                 <a:solidFill>
                   <a:schemeClr val="tx1"/>
                 </a:solidFill>
@@ -9281,7 +9259,7 @@
               <a:t>тестирование для </a:t>
             </a:r>
             <a:r>
-              <a:rPr lang="en-US" dirty="0" err="1" smtClean="0">
+              <a:rPr lang="en-US" dirty="0" err="1">
                 <a:solidFill>
                   <a:schemeClr val="tx1"/>
                 </a:solidFill>
@@ -9317,7 +9295,7 @@
           <a:lstStyle/>
           <a:p>
             <a:r>
-              <a:rPr lang="ru-RU" dirty="0" smtClean="0">
+              <a:rPr lang="ru-RU" dirty="0">
                 <a:solidFill>
                   <a:schemeClr val="tx1"/>
                 </a:solidFill>
@@ -9327,7 +9305,7 @@
           </a:p>
           <a:p>
             <a:r>
-              <a:rPr lang="ru-RU" dirty="0" smtClean="0">
+              <a:rPr lang="ru-RU" dirty="0">
                 <a:solidFill>
                   <a:schemeClr val="tx1"/>
                 </a:solidFill>
@@ -9335,7 +9313,7 @@
               <a:t>ТО</a:t>
             </a:r>
             <a:r>
-              <a:rPr lang="en-US" dirty="0" smtClean="0">
+              <a:rPr lang="en-US" dirty="0">
                 <a:solidFill>
                   <a:schemeClr val="tx1"/>
                 </a:solidFill>
@@ -9343,7 +9321,7 @@
               <a:t>: </a:t>
             </a:r>
             <a:r>
-              <a:rPr lang="en-US" dirty="0" err="1" smtClean="0">
+              <a:rPr lang="en-US" dirty="0" err="1">
                 <a:solidFill>
                   <a:schemeClr val="tx1"/>
                 </a:solidFill>
@@ -9368,13 +9346,6 @@
   <p:clrMapOvr>
     <a:masterClrMapping/>
   </p:clrMapOvr>
-  <p:timing>
-    <p:tnLst>
-      <p:par>
-        <p:cTn id="1" dur="indefinite" restart="never" nodeType="tmRoot"/>
-      </p:par>
-    </p:tnLst>
-  </p:timing>
 </p:sld>
 </file>
 
@@ -9411,7 +9382,7 @@
           <a:lstStyle/>
           <a:p>
             <a:r>
-              <a:rPr lang="en-US" b="1" i="1" u="sng" dirty="0" smtClean="0"/>
+              <a:rPr lang="en-US" b="1" i="1" u="sng" dirty="0"/>
               <a:t>Enrollments</a:t>
             </a:r>
             <a:endParaRPr lang="ru-RU" b="1" i="1" u="sng" dirty="0"/>
@@ -9489,7 +9460,7 @@
           <a:lstStyle/>
           <a:p>
             <a:r>
-              <a:rPr lang="en-US" dirty="0" smtClean="0"/>
+              <a:rPr lang="en-US" dirty="0"/>
               <a:t>Enrollments</a:t>
             </a:r>
             <a:endParaRPr lang="ru-RU" dirty="0"/>
@@ -9543,7 +9514,7 @@
                     <a:lstStyle/>
                     <a:p>
                       <a:r>
-                        <a:rPr lang="en-US" dirty="0" smtClean="0"/>
+                        <a:rPr lang="en-US" dirty="0"/>
                         <a:t>Minimum</a:t>
                       </a:r>
                       <a:endParaRPr lang="ru-RU" dirty="0"/>
@@ -9577,10 +9548,9 @@
                     <a:p>
                       <a:pPr algn="ctr"/>
                       <a:r>
-                        <a:rPr lang="ru-RU" dirty="0" smtClean="0"/>
+                        <a:rPr lang="ru-RU" dirty="0"/>
                         <a:t>110</a:t>
                       </a:r>
-                      <a:endParaRPr lang="ru-RU" dirty="0"/>
                     </a:p>
                   </a:txBody>
                   <a:tcPr>
@@ -9617,7 +9587,7 @@
                     <a:lstStyle/>
                     <a:p>
                       <a:r>
-                        <a:rPr lang="en-US" dirty="0" smtClean="0"/>
+                        <a:rPr lang="en-US" dirty="0"/>
                         <a:t>5-th percentile</a:t>
                       </a:r>
                       <a:endParaRPr lang="ru-RU" dirty="0"/>
@@ -9642,10 +9612,9 @@
                     <a:p>
                       <a:pPr algn="ctr"/>
                       <a:r>
-                        <a:rPr lang="ru-RU" dirty="0" smtClean="0"/>
+                        <a:rPr lang="ru-RU" dirty="0"/>
                         <a:t>127</a:t>
                       </a:r>
-                      <a:endParaRPr lang="ru-RU" dirty="0"/>
                     </a:p>
                   </a:txBody>
                   <a:tcPr>
@@ -9690,10 +9659,10 @@
                         <a:defRPr/>
                       </a:pPr>
                       <a:r>
-                        <a:rPr lang="en-US" dirty="0" smtClean="0"/>
+                        <a:rPr lang="en-US" dirty="0"/>
                         <a:t>25-th percentile</a:t>
                       </a:r>
-                      <a:endParaRPr lang="ru-RU" dirty="0" smtClean="0"/>
+                      <a:endParaRPr lang="ru-RU" dirty="0"/>
                     </a:p>
                   </a:txBody>
                   <a:tcPr>
@@ -9715,10 +9684,9 @@
                     <a:p>
                       <a:pPr algn="ctr"/>
                       <a:r>
-                        <a:rPr lang="ru-RU" dirty="0" smtClean="0"/>
+                        <a:rPr lang="ru-RU" dirty="0"/>
                         <a:t>147</a:t>
                       </a:r>
-                      <a:endParaRPr lang="ru-RU" dirty="0"/>
                     </a:p>
                   </a:txBody>
                   <a:tcPr>
@@ -9746,7 +9714,7 @@
                     <a:lstStyle/>
                     <a:p>
                       <a:r>
-                        <a:rPr lang="en-US" dirty="0" smtClean="0"/>
+                        <a:rPr lang="en-US" dirty="0"/>
                         <a:t>median</a:t>
                       </a:r>
                       <a:endParaRPr lang="ru-RU" dirty="0"/>
@@ -9771,10 +9739,9 @@
                     <a:p>
                       <a:pPr algn="ctr"/>
                       <a:r>
-                        <a:rPr lang="ru-RU" dirty="0" smtClean="0"/>
+                        <a:rPr lang="ru-RU" dirty="0"/>
                         <a:t>162</a:t>
                       </a:r>
-                      <a:endParaRPr lang="ru-RU" dirty="0"/>
                     </a:p>
                   </a:txBody>
                   <a:tcPr>
@@ -9822,10 +9789,10 @@
                         <a:defRPr/>
                       </a:pPr>
                       <a:r>
-                        <a:rPr lang="en-US" dirty="0" smtClean="0"/>
+                        <a:rPr lang="en-US" dirty="0"/>
                         <a:t>75-th percentile</a:t>
                       </a:r>
-                      <a:endParaRPr lang="ru-RU" dirty="0" smtClean="0"/>
+                      <a:endParaRPr lang="ru-RU" dirty="0"/>
                     </a:p>
                   </a:txBody>
                   <a:tcPr>
@@ -9850,10 +9817,9 @@
                     <a:p>
                       <a:pPr algn="ctr"/>
                       <a:r>
-                        <a:rPr lang="ru-RU" dirty="0" smtClean="0"/>
+                        <a:rPr lang="ru-RU" dirty="0"/>
                         <a:t>175</a:t>
                       </a:r>
-                      <a:endParaRPr lang="ru-RU" dirty="0"/>
                     </a:p>
                   </a:txBody>
                   <a:tcPr>
@@ -9915,10 +9881,10 @@
                         <a:defRPr/>
                       </a:pPr>
                       <a:r>
-                        <a:rPr lang="en-US" dirty="0" smtClean="0"/>
+                        <a:rPr lang="en-US" dirty="0"/>
                         <a:t>95-th percentile</a:t>
                       </a:r>
-                      <a:endParaRPr lang="ru-RU" dirty="0" smtClean="0"/>
+                      <a:endParaRPr lang="ru-RU" dirty="0"/>
                     </a:p>
                   </a:txBody>
                   <a:tcPr>
@@ -9940,10 +9906,9 @@
                     <a:p>
                       <a:pPr algn="ctr"/>
                       <a:r>
-                        <a:rPr lang="ru-RU" dirty="0" smtClean="0"/>
+                        <a:rPr lang="ru-RU" dirty="0"/>
                         <a:t>219</a:t>
                       </a:r>
-                      <a:endParaRPr lang="ru-RU" dirty="0"/>
                     </a:p>
                   </a:txBody>
                   <a:tcPr>
@@ -9991,10 +9956,10 @@
                         <a:defRPr/>
                       </a:pPr>
                       <a:r>
-                        <a:rPr lang="en-US" dirty="0" smtClean="0"/>
+                        <a:rPr lang="en-US" dirty="0"/>
                         <a:t>Maximum</a:t>
                       </a:r>
-                      <a:endParaRPr lang="ru-RU" dirty="0" smtClean="0"/>
+                      <a:endParaRPr lang="ru-RU" dirty="0"/>
                     </a:p>
                   </a:txBody>
                   <a:tcPr>
@@ -10032,7 +9997,7 @@
                         <a:defRPr/>
                       </a:pPr>
                       <a:r>
-                        <a:rPr lang="ru-RU" dirty="0" smtClean="0"/>
+                        <a:rPr lang="ru-RU" dirty="0"/>
                         <a:t>233</a:t>
                       </a:r>
                     </a:p>
@@ -10062,7 +10027,7 @@
                     <a:lstStyle/>
                     <a:p>
                       <a:r>
-                        <a:rPr lang="en-US" dirty="0" smtClean="0"/>
+                        <a:rPr lang="en-US" dirty="0"/>
                         <a:t>Interquartile range</a:t>
                       </a:r>
                       <a:endParaRPr lang="ru-RU" dirty="0"/>
@@ -10087,10 +10052,9 @@
                     <a:p>
                       <a:pPr algn="ctr"/>
                       <a:r>
-                        <a:rPr lang="ru-RU" dirty="0" smtClean="0"/>
+                        <a:rPr lang="ru-RU" dirty="0"/>
                         <a:t>28</a:t>
                       </a:r>
-                      <a:endParaRPr lang="ru-RU" dirty="0"/>
                     </a:p>
                   </a:txBody>
                   <a:tcPr>
@@ -10118,7 +10082,7 @@
                     <a:lstStyle/>
                     <a:p>
                       <a:r>
-                        <a:rPr lang="en-US" dirty="0" smtClean="0"/>
+                        <a:rPr lang="en-US" dirty="0"/>
                         <a:t>mean</a:t>
                       </a:r>
                       <a:endParaRPr lang="ru-RU" dirty="0"/>
@@ -10143,10 +10107,9 @@
                     <a:p>
                       <a:pPr algn="ctr"/>
                       <a:r>
-                        <a:rPr lang="ru-RU" dirty="0" smtClean="0"/>
+                        <a:rPr lang="ru-RU" dirty="0"/>
                         <a:t>165</a:t>
                       </a:r>
-                      <a:endParaRPr lang="ru-RU" dirty="0"/>
                     </a:p>
                   </a:txBody>
                   <a:tcPr>
@@ -10174,11 +10137,11 @@
                     <a:lstStyle/>
                     <a:p>
                       <a:r>
-                        <a:rPr lang="en-US" dirty="0" smtClean="0"/>
+                        <a:rPr lang="en-US" dirty="0"/>
                         <a:t>Standard</a:t>
                       </a:r>
                       <a:r>
-                        <a:rPr lang="en-US" baseline="0" dirty="0" smtClean="0"/>
+                        <a:rPr lang="en-US" baseline="0" dirty="0"/>
                         <a:t> deviation</a:t>
                       </a:r>
                       <a:endParaRPr lang="ru-RU" dirty="0"/>
@@ -10212,10 +10175,9 @@
                     <a:p>
                       <a:pPr algn="ctr"/>
                       <a:r>
-                        <a:rPr lang="ru-RU" dirty="0" smtClean="0"/>
+                        <a:rPr lang="ru-RU" dirty="0"/>
                         <a:t>30</a:t>
                       </a:r>
-                      <a:endParaRPr lang="ru-RU" dirty="0"/>
                     </a:p>
                   </a:txBody>
                   <a:tcPr>
@@ -10259,13 +10221,6 @@
   <p:clrMapOvr>
     <a:masterClrMapping/>
   </p:clrMapOvr>
-  <p:timing>
-    <p:tnLst>
-      <p:par>
-        <p:cTn id="1" dur="indefinite" restart="never" nodeType="tmRoot"/>
-      </p:par>
-    </p:tnLst>
-  </p:timing>
 </p:sld>
 </file>
 
@@ -10302,7 +10257,7 @@
           <a:lstStyle/>
           <a:p>
             <a:r>
-              <a:rPr lang="en-US" b="1" i="1" u="sng" dirty="0" smtClean="0"/>
+              <a:rPr lang="en-US" b="1" i="1" u="sng" dirty="0"/>
               <a:t>Payments</a:t>
             </a:r>
             <a:endParaRPr lang="ru-RU" b="1" i="1" u="sng" dirty="0"/>
@@ -10380,7 +10335,7 @@
           <a:lstStyle/>
           <a:p>
             <a:r>
-              <a:rPr lang="en-US" dirty="0" smtClean="0"/>
+              <a:rPr lang="en-US" dirty="0"/>
               <a:t>Payments</a:t>
             </a:r>
             <a:endParaRPr lang="ru-RU" dirty="0"/>
@@ -10434,7 +10389,7 @@
                     <a:lstStyle/>
                     <a:p>
                       <a:r>
-                        <a:rPr lang="en-US" dirty="0" smtClean="0"/>
+                        <a:rPr lang="en-US" dirty="0"/>
                         <a:t>Minimum</a:t>
                       </a:r>
                       <a:endParaRPr lang="ru-RU" dirty="0"/>
@@ -10468,10 +10423,9 @@
                     <a:p>
                       <a:pPr algn="ctr"/>
                       <a:r>
-                        <a:rPr lang="ru-RU" dirty="0" smtClean="0"/>
+                        <a:rPr lang="ru-RU" dirty="0"/>
                         <a:t>56</a:t>
                       </a:r>
-                      <a:endParaRPr lang="ru-RU" dirty="0"/>
                     </a:p>
                   </a:txBody>
                   <a:tcPr>
@@ -10508,7 +10462,7 @@
                     <a:lstStyle/>
                     <a:p>
                       <a:r>
-                        <a:rPr lang="en-US" dirty="0" smtClean="0"/>
+                        <a:rPr lang="en-US" dirty="0"/>
                         <a:t>5-th percentile</a:t>
                       </a:r>
                       <a:endParaRPr lang="ru-RU" dirty="0"/>
@@ -10533,10 +10487,9 @@
                     <a:p>
                       <a:pPr algn="ctr"/>
                       <a:r>
-                        <a:rPr lang="ru-RU" dirty="0" smtClean="0"/>
+                        <a:rPr lang="ru-RU" dirty="0"/>
                         <a:t>60</a:t>
                       </a:r>
-                      <a:endParaRPr lang="ru-RU" dirty="0"/>
                     </a:p>
                   </a:txBody>
                   <a:tcPr>
@@ -10581,10 +10534,10 @@
                         <a:defRPr/>
                       </a:pPr>
                       <a:r>
-                        <a:rPr lang="en-US" dirty="0" smtClean="0"/>
+                        <a:rPr lang="en-US" dirty="0"/>
                         <a:t>25-th percentile</a:t>
                       </a:r>
-                      <a:endParaRPr lang="ru-RU" dirty="0" smtClean="0"/>
+                      <a:endParaRPr lang="ru-RU" dirty="0"/>
                     </a:p>
                   </a:txBody>
                   <a:tcPr>
@@ -10606,10 +10559,9 @@
                     <a:p>
                       <a:pPr algn="ctr"/>
                       <a:r>
-                        <a:rPr lang="ru-RU" dirty="0" smtClean="0"/>
+                        <a:rPr lang="ru-RU" dirty="0"/>
                         <a:t>70</a:t>
                       </a:r>
-                      <a:endParaRPr lang="ru-RU" dirty="0"/>
                     </a:p>
                   </a:txBody>
                   <a:tcPr>
@@ -10637,7 +10589,7 @@
                     <a:lstStyle/>
                     <a:p>
                       <a:r>
-                        <a:rPr lang="en-US" dirty="0" smtClean="0"/>
+                        <a:rPr lang="en-US" dirty="0"/>
                         <a:t>median</a:t>
                       </a:r>
                       <a:endParaRPr lang="ru-RU" dirty="0"/>
@@ -10662,10 +10614,9 @@
                     <a:p>
                       <a:pPr algn="ctr"/>
                       <a:r>
-                        <a:rPr lang="ru-RU" dirty="0" smtClean="0"/>
+                        <a:rPr lang="ru-RU" dirty="0"/>
                         <a:t>91</a:t>
                       </a:r>
-                      <a:endParaRPr lang="ru-RU" dirty="0"/>
                     </a:p>
                   </a:txBody>
                   <a:tcPr>
@@ -10713,10 +10664,10 @@
                         <a:defRPr/>
                       </a:pPr>
                       <a:r>
-                        <a:rPr lang="en-US" dirty="0" smtClean="0"/>
+                        <a:rPr lang="en-US" dirty="0"/>
                         <a:t>75-th percentile</a:t>
                       </a:r>
-                      <a:endParaRPr lang="ru-RU" dirty="0" smtClean="0"/>
+                      <a:endParaRPr lang="ru-RU" dirty="0"/>
                     </a:p>
                   </a:txBody>
                   <a:tcPr>
@@ -10741,10 +10692,9 @@
                     <a:p>
                       <a:pPr algn="ctr"/>
                       <a:r>
-                        <a:rPr lang="ru-RU" dirty="0" smtClean="0"/>
+                        <a:rPr lang="ru-RU" dirty="0"/>
                         <a:t>103</a:t>
                       </a:r>
-                      <a:endParaRPr lang="ru-RU" dirty="0"/>
                     </a:p>
                   </a:txBody>
                   <a:tcPr>
@@ -10806,10 +10756,10 @@
                         <a:defRPr/>
                       </a:pPr>
                       <a:r>
-                        <a:rPr lang="en-US" dirty="0" smtClean="0"/>
+                        <a:rPr lang="en-US" dirty="0"/>
                         <a:t>95-th percentile</a:t>
                       </a:r>
-                      <a:endParaRPr lang="ru-RU" dirty="0" smtClean="0"/>
+                      <a:endParaRPr lang="ru-RU" dirty="0"/>
                     </a:p>
                   </a:txBody>
                   <a:tcPr>
@@ -10831,10 +10781,9 @@
                     <a:p>
                       <a:pPr algn="ctr"/>
                       <a:r>
-                        <a:rPr lang="ru-RU" dirty="0" smtClean="0"/>
+                        <a:rPr lang="ru-RU" dirty="0"/>
                         <a:t>124</a:t>
                       </a:r>
-                      <a:endParaRPr lang="ru-RU" dirty="0"/>
                     </a:p>
                   </a:txBody>
                   <a:tcPr>
@@ -10882,10 +10831,10 @@
                         <a:defRPr/>
                       </a:pPr>
                       <a:r>
-                        <a:rPr lang="en-US" dirty="0" smtClean="0"/>
+                        <a:rPr lang="en-US" dirty="0"/>
                         <a:t>Maximum</a:t>
                       </a:r>
-                      <a:endParaRPr lang="ru-RU" dirty="0" smtClean="0"/>
+                      <a:endParaRPr lang="ru-RU" dirty="0"/>
                     </a:p>
                   </a:txBody>
                   <a:tcPr>
@@ -10923,7 +10872,7 @@
                         <a:defRPr/>
                       </a:pPr>
                       <a:r>
-                        <a:rPr lang="ru-RU" dirty="0" smtClean="0"/>
+                        <a:rPr lang="ru-RU" dirty="0"/>
                         <a:t>128</a:t>
                       </a:r>
                     </a:p>
@@ -10953,7 +10902,7 @@
                     <a:lstStyle/>
                     <a:p>
                       <a:r>
-                        <a:rPr lang="en-US" dirty="0" smtClean="0"/>
+                        <a:rPr lang="en-US" dirty="0"/>
                         <a:t>Interquartile range</a:t>
                       </a:r>
                       <a:endParaRPr lang="ru-RU" dirty="0"/>
@@ -10978,10 +10927,9 @@
                     <a:p>
                       <a:pPr algn="ctr"/>
                       <a:r>
-                        <a:rPr lang="ru-RU" dirty="0" smtClean="0"/>
+                        <a:rPr lang="ru-RU" dirty="0"/>
                         <a:t>33</a:t>
                       </a:r>
-                      <a:endParaRPr lang="ru-RU" dirty="0"/>
                     </a:p>
                   </a:txBody>
                   <a:tcPr>
@@ -11009,7 +10957,7 @@
                     <a:lstStyle/>
                     <a:p>
                       <a:r>
-                        <a:rPr lang="en-US" dirty="0" smtClean="0"/>
+                        <a:rPr lang="en-US" dirty="0"/>
                         <a:t>mean</a:t>
                       </a:r>
                       <a:endParaRPr lang="ru-RU" dirty="0"/>
@@ -11034,10 +10982,9 @@
                     <a:p>
                       <a:pPr algn="ctr"/>
                       <a:r>
-                        <a:rPr lang="ru-RU" dirty="0" smtClean="0"/>
+                        <a:rPr lang="ru-RU" dirty="0"/>
                         <a:t>88</a:t>
                       </a:r>
-                      <a:endParaRPr lang="ru-RU" dirty="0"/>
                     </a:p>
                   </a:txBody>
                   <a:tcPr>
@@ -11065,11 +11012,11 @@
                     <a:lstStyle/>
                     <a:p>
                       <a:r>
-                        <a:rPr lang="en-US" dirty="0" smtClean="0"/>
+                        <a:rPr lang="en-US" dirty="0"/>
                         <a:t>Standard</a:t>
                       </a:r>
                       <a:r>
-                        <a:rPr lang="en-US" baseline="0" dirty="0" smtClean="0"/>
+                        <a:rPr lang="en-US" baseline="0" dirty="0"/>
                         <a:t> deviation</a:t>
                       </a:r>
                       <a:endParaRPr lang="ru-RU" dirty="0"/>
@@ -11103,10 +11050,9 @@
                     <a:p>
                       <a:pPr algn="ctr"/>
                       <a:r>
-                        <a:rPr lang="ru-RU" dirty="0" smtClean="0"/>
+                        <a:rPr lang="ru-RU" dirty="0"/>
                         <a:t>21</a:t>
                       </a:r>
-                      <a:endParaRPr lang="ru-RU" dirty="0"/>
                     </a:p>
                   </a:txBody>
                   <a:tcPr>
@@ -11150,13 +11096,6 @@
   <p:clrMapOvr>
     <a:masterClrMapping/>
   </p:clrMapOvr>
-  <p:timing>
-    <p:tnLst>
-      <p:par>
-        <p:cTn id="1" dur="indefinite" restart="never" nodeType="tmRoot"/>
-      </p:par>
-    </p:tnLst>
-  </p:timing>
 </p:sld>
 </file>
 
@@ -11193,10 +11132,9 @@
           <a:lstStyle/>
           <a:p>
             <a:r>
-              <a:rPr lang="ru-RU" b="1" dirty="0" smtClean="0"/>
+              <a:rPr lang="ru-RU" b="1" dirty="0"/>
               <a:t>Полезные метрики</a:t>
             </a:r>
-            <a:endParaRPr lang="ru-RU" b="1" dirty="0"/>
           </a:p>
         </p:txBody>
       </p:sp>
@@ -11223,133 +11161,108 @@
           <a:lstStyle/>
           <a:p>
             <a:r>
-              <a:rPr lang="en-US" dirty="0" smtClean="0"/>
+              <a:rPr lang="en-US" dirty="0"/>
               <a:t>Click-Through-Probability (</a:t>
             </a:r>
             <a:r>
-              <a:rPr lang="ru-RU" b="1" dirty="0" smtClean="0"/>
+              <a:rPr lang="ru-RU" b="1" dirty="0"/>
               <a:t>С</a:t>
             </a:r>
             <a:r>
-              <a:rPr lang="en-US" b="1" dirty="0" smtClean="0"/>
+              <a:rPr lang="en-US" b="1" dirty="0"/>
               <a:t>TP</a:t>
             </a:r>
             <a:r>
-              <a:rPr lang="en-US" dirty="0" smtClean="0"/>
+              <a:rPr lang="en-US" dirty="0"/>
               <a:t>) – </a:t>
             </a:r>
             <a:r>
-              <a:rPr lang="ru-RU" dirty="0" smtClean="0"/>
+              <a:rPr lang="ru-RU" dirty="0"/>
               <a:t>вероятность перехода на страницу регистрации на пробный период по клику</a:t>
             </a:r>
-            <a:endParaRPr lang="en-US" dirty="0" smtClean="0"/>
-          </a:p>
-          <a:p>
-            <a:r>
-              <a:rPr lang="en-US" dirty="0" smtClean="0"/>
+            <a:endParaRPr lang="en-US" dirty="0"/>
+          </a:p>
+          <a:p>
+            <a:r>
+              <a:rPr lang="en-US" dirty="0"/>
               <a:t>Gross Conversion (</a:t>
             </a:r>
             <a:r>
-              <a:rPr lang="en-US" b="1" dirty="0" smtClean="0"/>
+              <a:rPr lang="en-US" b="1" dirty="0"/>
               <a:t>GC</a:t>
             </a:r>
             <a:r>
-              <a:rPr lang="en-US" dirty="0" smtClean="0"/>
+              <a:rPr lang="en-US" dirty="0"/>
               <a:t>) – </a:t>
             </a:r>
             <a:r>
-              <a:rPr lang="ru-RU" dirty="0" smtClean="0"/>
+              <a:rPr lang="ru-RU" dirty="0"/>
               <a:t>валовая конверсия (конверсия в регистрацию после клика на кнопку с пробной версией)</a:t>
             </a:r>
-            <a:endParaRPr lang="en-US" dirty="0" smtClean="0"/>
-          </a:p>
-          <a:p>
-            <a:r>
-              <a:rPr lang="en-US" dirty="0" smtClean="0"/>
+            <a:endParaRPr lang="en-US" dirty="0"/>
+          </a:p>
+          <a:p>
+            <a:r>
+              <a:rPr lang="en-US" dirty="0"/>
               <a:t>Retention (</a:t>
             </a:r>
             <a:r>
-              <a:rPr lang="en-US" b="1" dirty="0" smtClean="0"/>
+              <a:rPr lang="en-US" b="1" dirty="0"/>
               <a:t>R</a:t>
             </a:r>
             <a:r>
-              <a:rPr lang="en-US" dirty="0" smtClean="0"/>
+              <a:rPr lang="en-US" dirty="0"/>
               <a:t>)</a:t>
             </a:r>
             <a:r>
-              <a:rPr lang="ru-RU" dirty="0" smtClean="0"/>
-              <a:t> – удержание (</a:t>
-            </a:r>
-            <a:r>
               <a:rPr lang="ru-RU" dirty="0"/>
-              <a:t>это количество платящих пользователей </a:t>
-            </a:r>
-            <a:r>
-              <a:rPr lang="ru-RU" dirty="0" smtClean="0"/>
-              <a:t>после </a:t>
+              <a:t> – удержание (это количество платящих пользователей после 14 бесплатных дней, деленное на общее количество зарегистрированных пользователей</a:t>
+            </a:r>
+            <a:r>
+              <a:rPr lang="en-US" dirty="0"/>
+              <a:t>)</a:t>
             </a:r>
             <a:r>
               <a:rPr lang="ru-RU" dirty="0"/>
-              <a:t>14 бесплатных </a:t>
-            </a:r>
-            <a:r>
-              <a:rPr lang="ru-RU" dirty="0" smtClean="0"/>
-              <a:t>дней, </a:t>
+              <a:t>.</a:t>
+            </a:r>
+          </a:p>
+          <a:p>
+            <a:r>
+              <a:rPr lang="en-US" dirty="0"/>
+              <a:t>Net Conversion (</a:t>
+            </a:r>
+            <a:r>
+              <a:rPr lang="en-US" b="1" dirty="0"/>
+              <a:t>NC</a:t>
+            </a:r>
+            <a:r>
+              <a:rPr lang="en-US" dirty="0"/>
+              <a:t>)</a:t>
             </a:r>
             <a:r>
               <a:rPr lang="ru-RU" dirty="0"/>
-              <a:t>деленное на общее количество зарегистрированных </a:t>
-            </a:r>
-            <a:r>
-              <a:rPr lang="ru-RU" dirty="0" smtClean="0"/>
-              <a:t>пользователей</a:t>
-            </a:r>
-            <a:r>
-              <a:rPr lang="en-US" dirty="0" smtClean="0"/>
-              <a:t>)</a:t>
-            </a:r>
-            <a:r>
-              <a:rPr lang="ru-RU" dirty="0" smtClean="0"/>
-              <a:t>.</a:t>
-            </a:r>
-          </a:p>
-          <a:p>
-            <a:r>
-              <a:rPr lang="en-US" dirty="0" smtClean="0"/>
-              <a:t>Net Conversion (</a:t>
-            </a:r>
-            <a:r>
-              <a:rPr lang="en-US" b="1" dirty="0" smtClean="0"/>
-              <a:t>NC</a:t>
-            </a:r>
-            <a:r>
-              <a:rPr lang="en-US" dirty="0" smtClean="0"/>
-              <a:t>)</a:t>
-            </a:r>
-            <a:r>
-              <a:rPr lang="ru-RU" dirty="0" smtClean="0"/>
               <a:t> – чистая конверсия (конверсия в платящего пользователя от клика на кнопку с пробной версией)</a:t>
             </a:r>
-            <a:endParaRPr lang="en-US" dirty="0" smtClean="0"/>
-          </a:p>
-          <a:p>
-            <a:r>
-              <a:rPr lang="en-US" dirty="0" smtClean="0"/>
+            <a:endParaRPr lang="en-US" dirty="0"/>
+          </a:p>
+          <a:p>
+            <a:r>
+              <a:rPr lang="en-US" dirty="0"/>
               <a:t>Payment-Probability (</a:t>
             </a:r>
             <a:r>
-              <a:rPr lang="en-US" b="1" dirty="0" smtClean="0"/>
+              <a:rPr lang="en-US" b="1" dirty="0"/>
               <a:t>PP</a:t>
             </a:r>
             <a:r>
-              <a:rPr lang="en-US" dirty="0" smtClean="0"/>
+              <a:rPr lang="en-US" dirty="0"/>
               <a:t>) – </a:t>
             </a:r>
             <a:r>
-              <a:rPr lang="ru-RU" dirty="0" smtClean="0"/>
+              <a:rPr lang="ru-RU" dirty="0"/>
               <a:t>вероятность того, что пользователь будет платить после просмотра страницы курса</a:t>
             </a:r>
-            <a:endParaRPr lang="ru-RU" dirty="0"/>
           </a:p>
         </p:txBody>
       </p:sp>
@@ -12006,13 +11919,6 @@
   <p:clrMapOvr>
     <a:masterClrMapping/>
   </p:clrMapOvr>
-  <p:timing>
-    <p:tnLst>
-      <p:par>
-        <p:cTn id="1" dur="indefinite" restart="never" nodeType="tmRoot"/>
-      </p:par>
-    </p:tnLst>
-  </p:timing>
 </p:sld>
 </file>
 
@@ -12049,10 +11955,9 @@
           <a:lstStyle/>
           <a:p>
             <a:r>
-              <a:rPr lang="ru-RU" b="1" dirty="0" smtClean="0"/>
+              <a:rPr lang="ru-RU" b="1" dirty="0"/>
               <a:t>Значения метрик до внесения изменений</a:t>
             </a:r>
-            <a:endParaRPr lang="ru-RU" b="1" dirty="0"/>
           </a:p>
         </p:txBody>
       </p:sp>
@@ -12064,7 +11969,6 @@
           </p:cNvGraphicFramePr>
           <p:nvPr>
             <p:ph idx="1"/>
-            <p:extLst/>
           </p:nvPr>
         </p:nvGraphicFramePr>
         <p:xfrm>
@@ -12139,11 +12043,11 @@
                     <a:p>
                       <a:pPr algn="ctr"/>
                       <a:r>
-                        <a:rPr lang="ru-RU" i="1" dirty="0" smtClean="0"/>
+                        <a:rPr lang="ru-RU" i="1" dirty="0"/>
                         <a:t>С</a:t>
                       </a:r>
                       <a:r>
-                        <a:rPr lang="en-US" i="1" dirty="0" smtClean="0"/>
+                        <a:rPr lang="en-US" i="1" dirty="0"/>
                         <a:t>TP</a:t>
                       </a:r>
                       <a:endParaRPr lang="ru-RU" i="1" dirty="0"/>
@@ -12158,7 +12062,7 @@
                     <a:p>
                       <a:pPr algn="ctr"/>
                       <a:r>
-                        <a:rPr lang="en-US" i="1" dirty="0" smtClean="0"/>
+                        <a:rPr lang="en-US" i="1" dirty="0"/>
                         <a:t>Gross Conversion </a:t>
                       </a:r>
                       <a:endParaRPr lang="ru-RU" i="1" dirty="0"/>
@@ -12173,7 +12077,7 @@
                     <a:p>
                       <a:pPr algn="ctr"/>
                       <a:r>
-                        <a:rPr lang="en-US" i="1" dirty="0" smtClean="0"/>
+                        <a:rPr lang="en-US" i="1" dirty="0"/>
                         <a:t>Retention</a:t>
                       </a:r>
                       <a:endParaRPr lang="ru-RU" i="1" dirty="0"/>
@@ -12188,7 +12092,7 @@
                     <a:p>
                       <a:pPr algn="ctr"/>
                       <a:r>
-                        <a:rPr lang="en-US" i="1" dirty="0" smtClean="0"/>
+                        <a:rPr lang="en-US" i="1" dirty="0"/>
                         <a:t>Net Conversion</a:t>
                       </a:r>
                       <a:endParaRPr lang="ru-RU" i="1" dirty="0"/>
@@ -12203,7 +12107,7 @@
                     <a:p>
                       <a:pPr algn="ctr"/>
                       <a:r>
-                        <a:rPr lang="en-US" b="1" i="1" dirty="0" smtClean="0"/>
+                        <a:rPr lang="en-US" b="1" i="1" dirty="0"/>
                         <a:t>PP</a:t>
                       </a:r>
                       <a:endParaRPr lang="ru-RU" i="1" dirty="0"/>
@@ -12225,7 +12129,7 @@
                     <a:p>
                       <a:pPr algn="ctr"/>
                       <a:r>
-                        <a:rPr lang="en-US" i="1" dirty="0" smtClean="0"/>
+                        <a:rPr lang="en-US" i="1" dirty="0"/>
                         <a:t>min</a:t>
                       </a:r>
                       <a:endParaRPr lang="ru-RU" i="1" dirty="0"/>
@@ -12240,7 +12144,7 @@
                     <a:p>
                       <a:pPr algn="ctr"/>
                       <a:r>
-                        <a:rPr lang="en-US" dirty="0" smtClean="0"/>
+                        <a:rPr lang="en-US" dirty="0"/>
                         <a:t>0.071</a:t>
                       </a:r>
                       <a:endParaRPr lang="ru-RU" dirty="0"/>
@@ -12255,7 +12159,7 @@
                     <a:p>
                       <a:pPr algn="ctr"/>
                       <a:r>
-                        <a:rPr lang="en-US" dirty="0" smtClean="0"/>
+                        <a:rPr lang="en-US" dirty="0"/>
                         <a:t>0.168</a:t>
                       </a:r>
                       <a:endParaRPr lang="ru-RU" dirty="0"/>
@@ -12270,7 +12174,7 @@
                     <a:p>
                       <a:pPr algn="ctr"/>
                       <a:r>
-                        <a:rPr lang="ru-RU" sz="1800" b="0" i="0" kern="1200" dirty="0" smtClean="0">
+                        <a:rPr lang="ru-RU" sz="1800" b="0" i="0" kern="1200" dirty="0">
                           <a:solidFill>
                             <a:schemeClr val="dk1"/>
                           </a:solidFill>
@@ -12293,7 +12197,7 @@
                     <a:p>
                       <a:pPr algn="ctr"/>
                       <a:r>
-                        <a:rPr lang="ru-RU" sz="1800" b="0" i="0" kern="1200" dirty="0" smtClean="0">
+                        <a:rPr lang="ru-RU" sz="1800" b="0" i="0" kern="1200" dirty="0">
                           <a:solidFill>
                             <a:schemeClr val="dk1"/>
                           </a:solidFill>
@@ -12316,7 +12220,7 @@
                     <a:p>
                       <a:pPr algn="ctr"/>
                       <a:r>
-                        <a:rPr lang="ru-RU" sz="1800" b="0" i="0" kern="1200" dirty="0" smtClean="0">
+                        <a:rPr lang="ru-RU" sz="1800" b="0" i="0" kern="1200" dirty="0">
                           <a:solidFill>
                             <a:schemeClr val="dk1"/>
                           </a:solidFill>
@@ -12346,7 +12250,7 @@
                     <a:p>
                       <a:pPr algn="ctr"/>
                       <a:r>
-                        <a:rPr lang="en-US" i="1" dirty="0" smtClean="0"/>
+                        <a:rPr lang="en-US" i="1" dirty="0"/>
                         <a:t>max</a:t>
                       </a:r>
                       <a:endParaRPr lang="ru-RU" i="1" dirty="0"/>
@@ -12361,7 +12265,7 @@
                     <a:p>
                       <a:pPr algn="ctr"/>
                       <a:r>
-                        <a:rPr lang="en-US" dirty="0" smtClean="0"/>
+                        <a:rPr lang="en-US" dirty="0"/>
                         <a:t>0.089</a:t>
                       </a:r>
                       <a:endParaRPr lang="ru-RU" dirty="0"/>
@@ -12376,7 +12280,7 @@
                     <a:p>
                       <a:pPr algn="ctr"/>
                       <a:r>
-                        <a:rPr lang="en-US" dirty="0" smtClean="0"/>
+                        <a:rPr lang="en-US" dirty="0"/>
                         <a:t>0.327</a:t>
                       </a:r>
                       <a:endParaRPr lang="ru-RU" dirty="0"/>
@@ -12391,7 +12295,7 @@
                     <a:p>
                       <a:pPr algn="ctr"/>
                       <a:r>
-                        <a:rPr lang="ru-RU" sz="1800" b="0" i="0" kern="1200" dirty="0" smtClean="0">
+                        <a:rPr lang="ru-RU" sz="1800" b="0" i="0" kern="1200" dirty="0">
                           <a:solidFill>
                             <a:schemeClr val="dk1"/>
                           </a:solidFill>
@@ -12414,7 +12318,7 @@
                     <a:p>
                       <a:pPr algn="ctr"/>
                       <a:r>
-                        <a:rPr lang="ru-RU" sz="1800" b="0" i="0" kern="1200" dirty="0" smtClean="0">
+                        <a:rPr lang="ru-RU" sz="1800" b="0" i="0" kern="1200" dirty="0">
                           <a:solidFill>
                             <a:schemeClr val="dk1"/>
                           </a:solidFill>
@@ -12437,7 +12341,7 @@
                     <a:p>
                       <a:pPr algn="ctr"/>
                       <a:r>
-                        <a:rPr lang="ru-RU" sz="1800" b="0" i="0" kern="1200" dirty="0" smtClean="0">
+                        <a:rPr lang="ru-RU" sz="1800" b="0" i="0" kern="1200" dirty="0">
                           <a:solidFill>
                             <a:schemeClr val="dk1"/>
                           </a:solidFill>
@@ -12467,7 +12371,7 @@
                     <a:p>
                       <a:pPr algn="ctr"/>
                       <a:r>
-                        <a:rPr lang="en-US" i="1" dirty="0" smtClean="0"/>
+                        <a:rPr lang="en-US" i="1" dirty="0"/>
                         <a:t>mean</a:t>
                       </a:r>
                       <a:endParaRPr lang="ru-RU" i="1" dirty="0"/>
@@ -12482,7 +12386,7 @@
                     <a:p>
                       <a:pPr algn="ctr"/>
                       <a:r>
-                        <a:rPr lang="en-US" dirty="0" smtClean="0"/>
+                        <a:rPr lang="en-US" dirty="0"/>
                         <a:t>0.082</a:t>
                       </a:r>
                       <a:endParaRPr lang="ru-RU" dirty="0"/>
@@ -12497,7 +12401,7 @@
                     <a:p>
                       <a:pPr algn="ctr"/>
                       <a:r>
-                        <a:rPr lang="en-US" dirty="0" smtClean="0"/>
+                        <a:rPr lang="en-US" dirty="0"/>
                         <a:t>0.220</a:t>
                       </a:r>
                       <a:endParaRPr lang="ru-RU" dirty="0"/>
@@ -12512,7 +12416,7 @@
                     <a:p>
                       <a:pPr algn="ctr"/>
                       <a:r>
-                        <a:rPr lang="ru-RU" sz="1800" b="0" i="0" kern="1200" dirty="0" smtClean="0">
+                        <a:rPr lang="ru-RU" sz="1800" b="0" i="0" kern="1200" dirty="0">
                           <a:solidFill>
                             <a:schemeClr val="dk1"/>
                           </a:solidFill>
@@ -12524,7 +12428,7 @@
                         <a:t>0.5</a:t>
                       </a:r>
                       <a:r>
-                        <a:rPr lang="en-US" sz="1800" b="0" i="0" kern="1200" dirty="0" smtClean="0">
+                        <a:rPr lang="en-US" sz="1800" b="0" i="0" kern="1200" dirty="0">
                           <a:solidFill>
                             <a:schemeClr val="dk1"/>
                           </a:solidFill>
@@ -12547,7 +12451,7 @@
                     <a:p>
                       <a:pPr algn="ctr"/>
                       <a:r>
-                        <a:rPr lang="ru-RU" sz="1800" b="0" i="0" kern="1200" dirty="0" smtClean="0">
+                        <a:rPr lang="ru-RU" sz="1800" b="0" i="0" kern="1200" dirty="0">
                           <a:solidFill>
                             <a:schemeClr val="dk1"/>
                           </a:solidFill>
@@ -12570,7 +12474,7 @@
                     <a:p>
                       <a:pPr algn="ctr"/>
                       <a:r>
-                        <a:rPr lang="ru-RU" sz="1800" b="0" i="0" kern="1200" dirty="0" smtClean="0">
+                        <a:rPr lang="ru-RU" sz="1800" b="0" i="0" kern="1200" dirty="0">
                           <a:solidFill>
                             <a:schemeClr val="dk1"/>
                           </a:solidFill>
@@ -12582,7 +12486,7 @@
                         <a:t>0.0</a:t>
                       </a:r>
                       <a:r>
-                        <a:rPr lang="en-US" sz="1800" b="0" i="0" kern="1200" dirty="0" smtClean="0">
+                        <a:rPr lang="en-US" sz="1800" b="0" i="0" kern="1200" dirty="0">
                           <a:solidFill>
                             <a:schemeClr val="dk1"/>
                           </a:solidFill>
@@ -12612,7 +12516,7 @@
                     <a:p>
                       <a:pPr algn="ctr"/>
                       <a:r>
-                        <a:rPr lang="en-US" i="1" dirty="0" smtClean="0"/>
+                        <a:rPr lang="en-US" i="1" dirty="0"/>
                         <a:t>SEM</a:t>
                       </a:r>
                       <a:endParaRPr lang="ru-RU" i="1" dirty="0"/>
@@ -12627,7 +12531,7 @@
                     <a:p>
                       <a:pPr algn="ctr"/>
                       <a:r>
-                        <a:rPr lang="ru-RU" sz="1800" b="0" i="0" kern="1200" dirty="0" smtClean="0">
+                        <a:rPr lang="ru-RU" sz="1800" b="0" i="0" kern="1200" dirty="0">
                           <a:solidFill>
                             <a:schemeClr val="dk1"/>
                           </a:solidFill>
@@ -12650,7 +12554,7 @@
                     <a:p>
                       <a:pPr algn="ctr"/>
                       <a:r>
-                        <a:rPr lang="ru-RU" sz="1800" b="0" i="0" kern="1200" dirty="0" smtClean="0">
+                        <a:rPr lang="ru-RU" sz="1800" b="0" i="0" kern="1200" dirty="0">
                           <a:solidFill>
                             <a:schemeClr val="dk1"/>
                           </a:solidFill>
@@ -12662,7 +12566,7 @@
                         <a:t>0.04</a:t>
                       </a:r>
                       <a:r>
-                        <a:rPr lang="en-US" sz="1800" b="0" i="0" kern="1200" dirty="0" smtClean="0">
+                        <a:rPr lang="en-US" sz="1800" b="0" i="0" kern="1200" dirty="0">
                           <a:solidFill>
                             <a:schemeClr val="dk1"/>
                           </a:solidFill>
@@ -12685,7 +12589,7 @@
                     <a:p>
                       <a:pPr algn="ctr"/>
                       <a:r>
-                        <a:rPr lang="ru-RU" sz="1800" b="0" i="0" kern="1200" dirty="0" smtClean="0">
+                        <a:rPr lang="ru-RU" sz="1800" b="0" i="0" kern="1200" dirty="0">
                           <a:solidFill>
                             <a:schemeClr val="dk1"/>
                           </a:solidFill>
@@ -12708,7 +12612,7 @@
                     <a:p>
                       <a:pPr algn="ctr"/>
                       <a:r>
-                        <a:rPr lang="ru-RU" sz="1800" b="0" i="0" kern="1200" dirty="0" smtClean="0">
+                        <a:rPr lang="ru-RU" sz="1800" b="0" i="0" kern="1200" dirty="0">
                           <a:solidFill>
                             <a:schemeClr val="dk1"/>
                           </a:solidFill>
@@ -12731,7 +12635,7 @@
                     <a:p>
                       <a:pPr algn="ctr"/>
                       <a:r>
-                        <a:rPr lang="ru-RU" sz="1800" b="0" i="0" kern="1200" dirty="0" smtClean="0">
+                        <a:rPr lang="ru-RU" sz="1800" b="0" i="0" kern="1200" dirty="0">
                           <a:solidFill>
                             <a:schemeClr val="dk1"/>
                           </a:solidFill>
@@ -12786,18 +12690,17 @@
           <a:p>
             <a:pPr algn="just"/>
             <a:r>
-              <a:rPr lang="en-US" b="1" dirty="0" smtClean="0"/>
+              <a:rPr lang="en-US" b="1" dirty="0"/>
               <a:t>~</a:t>
             </a:r>
             <a:r>
-              <a:rPr lang="ru-RU" b="1" dirty="0" smtClean="0"/>
+              <a:rPr lang="ru-RU" b="1" dirty="0"/>
               <a:t>8% </a:t>
             </a:r>
             <a:r>
-              <a:rPr lang="ru-RU" dirty="0" smtClean="0"/>
+              <a:rPr lang="ru-RU" dirty="0"/>
               <a:t>пользователей переходят на вкладку с регистрацией</a:t>
             </a:r>
-            <a:endParaRPr lang="ru-RU" dirty="0"/>
           </a:p>
         </p:txBody>
       </p:sp>
@@ -12830,18 +12733,17 @@
           <a:p>
             <a:pPr algn="just"/>
             <a:r>
-              <a:rPr lang="en-US" b="1" dirty="0" smtClean="0"/>
+              <a:rPr lang="en-US" b="1" dirty="0"/>
               <a:t>~</a:t>
             </a:r>
             <a:r>
-              <a:rPr lang="ru-RU" b="1" dirty="0" smtClean="0"/>
+              <a:rPr lang="ru-RU" b="1" dirty="0"/>
               <a:t>22% </a:t>
             </a:r>
             <a:r>
-              <a:rPr lang="ru-RU" dirty="0" smtClean="0"/>
+              <a:rPr lang="ru-RU" dirty="0"/>
               <a:t>из них заканчивают регистрацию</a:t>
             </a:r>
-            <a:endParaRPr lang="ru-RU" dirty="0"/>
           </a:p>
         </p:txBody>
       </p:sp>
@@ -12874,18 +12776,17 @@
           <a:p>
             <a:pPr algn="just"/>
             <a:r>
-              <a:rPr lang="en-US" b="1" dirty="0" smtClean="0"/>
+              <a:rPr lang="en-US" b="1" dirty="0"/>
               <a:t>~</a:t>
             </a:r>
             <a:r>
-              <a:rPr lang="ru-RU" b="1" dirty="0" smtClean="0"/>
+              <a:rPr lang="ru-RU" b="1" dirty="0"/>
               <a:t>54% </a:t>
             </a:r>
             <a:r>
-              <a:rPr lang="ru-RU" dirty="0" smtClean="0"/>
+              <a:rPr lang="ru-RU" dirty="0"/>
               <a:t>из них платят после пробного периода</a:t>
             </a:r>
-            <a:endParaRPr lang="ru-RU" dirty="0"/>
           </a:p>
         </p:txBody>
       </p:sp>
@@ -13078,18 +12979,17 @@
           <a:p>
             <a:pPr algn="just"/>
             <a:r>
-              <a:rPr lang="en-US" b="1" dirty="0" smtClean="0"/>
+              <a:rPr lang="en-US" b="1" dirty="0"/>
               <a:t>~12</a:t>
             </a:r>
             <a:r>
-              <a:rPr lang="ru-RU" b="1" dirty="0" smtClean="0"/>
+              <a:rPr lang="ru-RU" b="1" dirty="0"/>
               <a:t>% </a:t>
             </a:r>
             <a:r>
-              <a:rPr lang="ru-RU" dirty="0" smtClean="0"/>
+              <a:rPr lang="ru-RU" dirty="0"/>
               <a:t>пользователей конвертируются в платящих после клика по пробной версии</a:t>
             </a:r>
-            <a:endParaRPr lang="ru-RU" dirty="0"/>
           </a:p>
         </p:txBody>
       </p:sp>
@@ -13162,18 +13062,17 @@
           <a:p>
             <a:pPr algn="just"/>
             <a:r>
-              <a:rPr lang="en-US" b="1" dirty="0" smtClean="0"/>
+              <a:rPr lang="en-US" b="1" dirty="0"/>
               <a:t>~</a:t>
             </a:r>
             <a:r>
-              <a:rPr lang="ru-RU" b="1" dirty="0" smtClean="0"/>
+              <a:rPr lang="ru-RU" b="1" dirty="0"/>
               <a:t>1% </a:t>
             </a:r>
             <a:r>
-              <a:rPr lang="ru-RU" dirty="0" smtClean="0"/>
+              <a:rPr lang="ru-RU" dirty="0"/>
               <a:t>пользователей конвертируются в платящих после просмотра страницы курса</a:t>
             </a:r>
-            <a:endParaRPr lang="ru-RU" dirty="0"/>
           </a:p>
         </p:txBody>
       </p:sp>
@@ -13295,13 +13194,6 @@
   <p:clrMapOvr>
     <a:masterClrMapping/>
   </p:clrMapOvr>
-  <p:timing>
-    <p:tnLst>
-      <p:par>
-        <p:cTn id="1" dur="indefinite" restart="never" nodeType="tmRoot"/>
-      </p:par>
-    </p:tnLst>
-  </p:timing>
 </p:sld>
 </file>
 
@@ -13338,10 +13230,9 @@
           <a:lstStyle/>
           <a:p>
             <a:r>
-              <a:rPr lang="ru-RU" b="1" dirty="0" smtClean="0"/>
+              <a:rPr lang="ru-RU" b="1" dirty="0"/>
               <a:t>Аномалии</a:t>
             </a:r>
-            <a:endParaRPr lang="ru-RU" b="1" dirty="0"/>
           </a:p>
         </p:txBody>
       </p:sp>
@@ -13374,14 +13265,13 @@
           <a:p>
             <a:pPr algn="ctr"/>
             <a:r>
-              <a:rPr lang="en-US" dirty="0" smtClean="0"/>
+              <a:rPr lang="en-US" dirty="0"/>
               <a:t>C 3 </a:t>
             </a:r>
             <a:r>
-              <a:rPr lang="ru-RU" dirty="0" smtClean="0"/>
+              <a:rPr lang="ru-RU" dirty="0"/>
               <a:t>ноября данные перестали поступать!</a:t>
             </a:r>
-            <a:endParaRPr lang="ru-RU" dirty="0"/>
           </a:p>
         </p:txBody>
       </p:sp>
@@ -13478,13 +13368,6 @@
   <p:clrMapOvr>
     <a:masterClrMapping/>
   </p:clrMapOvr>
-  <p:timing>
-    <p:tnLst>
-      <p:par>
-        <p:cTn id="1" dur="indefinite" restart="never" nodeType="tmRoot"/>
-      </p:par>
-    </p:tnLst>
-  </p:timing>
 </p:sld>
 </file>
 
@@ -13787,13 +13670,6 @@
   <p:clrMapOvr>
     <a:masterClrMapping/>
   </p:clrMapOvr>
-  <p:timing>
-    <p:tnLst>
-      <p:par>
-        <p:cTn id="1" dur="indefinite" restart="never" nodeType="tmRoot"/>
-      </p:par>
-    </p:tnLst>
-  </p:timing>
 </p:sld>
 </file>
 
@@ -13994,13 +13870,6 @@
   <p:clrMapOvr>
     <a:masterClrMapping/>
   </p:clrMapOvr>
-  <p:timing>
-    <p:tnLst>
-      <p:par>
-        <p:cTn id="1" dur="indefinite" restart="never" nodeType="tmRoot"/>
-      </p:par>
-    </p:tnLst>
-  </p:timing>
 </p:sld>
 </file>
 
@@ -14175,13 +14044,6 @@
   <p:clrMapOvr>
     <a:masterClrMapping/>
   </p:clrMapOvr>
-  <p:timing>
-    <p:tnLst>
-      <p:par>
-        <p:cTn id="1" dur="indefinite" restart="never" nodeType="tmRoot"/>
-      </p:par>
-    </p:tnLst>
-  </p:timing>
 </p:sld>
 </file>
 
@@ -14267,31 +14129,15 @@
           <a:p>
             <a:r>
               <a:rPr lang="ru-RU" dirty="0"/>
-              <a:t>После извлечения </a:t>
-            </a:r>
-            <a:r>
-              <a:rPr lang="ru-RU" dirty="0" smtClean="0"/>
-              <a:t>данные могут быть </a:t>
+              <a:t>После извлечения данные могут быть не пригодны для анализа в первозданном виде.</a:t>
+            </a:r>
+            <a:r>
+              <a:rPr lang="en-US" dirty="0"/>
+              <a:t> </a:t>
             </a:r>
             <a:r>
               <a:rPr lang="ru-RU" dirty="0"/>
-              <a:t>не пригодны для анализа в первозданном </a:t>
-            </a:r>
-            <a:r>
-              <a:rPr lang="ru-RU" dirty="0" smtClean="0"/>
-              <a:t>виде.</a:t>
-            </a:r>
-            <a:r>
-              <a:rPr lang="en-US" dirty="0" smtClean="0"/>
-              <a:t> </a:t>
-            </a:r>
-            <a:r>
-              <a:rPr lang="ru-RU" dirty="0" smtClean="0"/>
-              <a:t>Для </a:t>
-            </a:r>
-            <a:r>
-              <a:rPr lang="ru-RU" dirty="0"/>
-              <a:t>дальнейшего анализа они должны пройти следующие преобразования</a:t>
+              <a:t>Для дальнейшего анализа они должны пройти следующие преобразования</a:t>
             </a:r>
             <a:r>
               <a:rPr lang="en-US" dirty="0"/>
@@ -14467,13 +14313,6 @@
   <p:clrMapOvr>
     <a:masterClrMapping/>
   </p:clrMapOvr>
-  <p:timing>
-    <p:tnLst>
-      <p:par>
-        <p:cTn id="1" dur="indefinite" restart="never" nodeType="tmRoot"/>
-      </p:par>
-    </p:tnLst>
-  </p:timing>
 </p:sld>
 </file>
 
@@ -14812,13 +14651,6 @@
   <p:clrMapOvr>
     <a:masterClrMapping/>
   </p:clrMapOvr>
-  <p:timing>
-    <p:tnLst>
-      <p:par>
-        <p:cTn id="1" dur="indefinite" restart="never" nodeType="tmRoot"/>
-      </p:par>
-    </p:tnLst>
-  </p:timing>
 </p:sld>
 </file>
 
@@ -14855,10 +14687,9 @@
           <a:lstStyle/>
           <a:p>
             <a:r>
-              <a:rPr lang="ru-RU" b="1" dirty="0" smtClean="0"/>
+              <a:rPr lang="ru-RU" b="1" dirty="0"/>
               <a:t>Постановка задачи</a:t>
             </a:r>
-            <a:endParaRPr lang="ru-RU" b="1" dirty="0"/>
           </a:p>
         </p:txBody>
       </p:sp>
@@ -14883,49 +14714,41 @@
           <a:lstStyle/>
           <a:p>
             <a:r>
-              <a:rPr lang="en-US" dirty="0" err="1" smtClean="0"/>
+              <a:rPr lang="en-US" dirty="0" err="1"/>
               <a:t>Udacity</a:t>
             </a:r>
             <a:r>
               <a:rPr lang="ru-RU" dirty="0"/>
+              <a:t> – веб-сайт посвященный онлайн обучению, на нём размещены платные курсы. Соответственно, общая бизнес-цель проекта заключается в максимизации дохода. Отсюда можно выделить подзадачу</a:t>
+            </a:r>
+            <a:r>
+              <a:rPr lang="en-US" dirty="0"/>
+              <a:t>:</a:t>
+            </a:r>
+            <a:br>
+              <a:rPr lang="ru-RU" dirty="0"/>
+            </a:br>
+            <a:endParaRPr lang="ru-RU" dirty="0"/>
+          </a:p>
+          <a:p>
+            <a:r>
+              <a:rPr lang="ru-RU" dirty="0"/>
+              <a:t>Увеличить количество пользователей которые произведут оплату за курс, без значительного снижения количества регистраций на пробную версию курса. Для решения задачи предлагается изменить интерфейс,</a:t>
+            </a:r>
+            <a:r>
+              <a:rPr lang="en-US" dirty="0"/>
               <a:t> </a:t>
             </a:r>
             <a:r>
-              <a:rPr lang="ru-RU" dirty="0" smtClean="0"/>
-              <a:t>– веб-сайт посвященный онлайн обучению, на нём размещены платные курсы. Соответственно, общая бизнес-цель проекта заключается в максимизации дохода. Отсюда можно выделить подзадачу</a:t>
-            </a:r>
-            <a:r>
-              <a:rPr lang="en-US" dirty="0" smtClean="0"/>
-              <a:t>:</a:t>
-            </a:r>
-            <a:r>
-              <a:rPr lang="ru-RU" dirty="0" smtClean="0"/>
-              <a:t/>
-            </a:r>
-            <a:br>
-              <a:rPr lang="ru-RU" dirty="0" smtClean="0"/>
-            </a:br>
-            <a:endParaRPr lang="ru-RU" dirty="0" smtClean="0"/>
-          </a:p>
-          <a:p>
-            <a:r>
-              <a:rPr lang="ru-RU" dirty="0" smtClean="0"/>
-              <a:t>Увеличить количество пользователей которые произведут оплату за курс, без значительного снижения количества регистраций на пробную версию курса. Для решения задачи предлагается изменить интерфейс,</a:t>
-            </a:r>
-            <a:r>
-              <a:rPr lang="en-US" dirty="0" smtClean="0"/>
-              <a:t> </a:t>
-            </a:r>
-            <a:r>
-              <a:rPr lang="ru-RU" dirty="0" smtClean="0"/>
+              <a:rPr lang="ru-RU" dirty="0"/>
               <a:t>и выполнить проверку улучшения целевых показателей с помощью </a:t>
             </a:r>
             <a:r>
-              <a:rPr lang="en-US" dirty="0" smtClean="0"/>
+              <a:rPr lang="en-US" dirty="0"/>
               <a:t>AB</a:t>
             </a:r>
             <a:r>
-              <a:rPr lang="ru-RU" dirty="0" smtClean="0"/>
+              <a:rPr lang="ru-RU" dirty="0"/>
               <a:t> – теста. </a:t>
             </a:r>
           </a:p>
@@ -14964,13 +14787,6 @@
   <p:clrMapOvr>
     <a:masterClrMapping/>
   </p:clrMapOvr>
-  <p:timing>
-    <p:tnLst>
-      <p:par>
-        <p:cTn id="1" dur="indefinite" restart="never" nodeType="tmRoot"/>
-      </p:par>
-    </p:tnLst>
-  </p:timing>
 </p:sld>
 </file>
 
@@ -15021,7 +14837,15 @@
           <a:p>
             <a:r>
               <a:rPr lang="ru-RU" b="1" dirty="0"/>
-              <a:t>Заключение</a:t>
+              <a:t>Заключение по </a:t>
+            </a:r>
+            <a:r>
+              <a:rPr lang="en-US" b="1" dirty="0"/>
+              <a:t>A/B - </a:t>
+            </a:r>
+            <a:r>
+              <a:rPr lang="ru-RU" b="1" dirty="0"/>
+              <a:t>тесту</a:t>
             </a:r>
           </a:p>
         </p:txBody>
@@ -15055,7 +14879,7 @@
             <a:pPr algn="just"/>
             <a:r>
               <a:rPr lang="ru-RU" dirty="0"/>
-              <a:t>На данном этапе, на основе метрик проверяется гипотеза о значимости результатов тестирования. И если результаты значимые, то изменения в интерфейсе для тестовой группы можно применить для всех пользователей. Иначе тестируемые изменения убираются из интерфейса вовсе.</a:t>
+              <a:t>На данном этапе, на основе метрик проверяется гипотеза о значимости результатов тестирования - анализируются доверительный интервалы, пересечение доверительных интервалов. И если результаты значимые, то изменения в интерфейсе для тестовой группы можно применить для всех пользователей. Иначе тестируемые изменения убираются из интерфейса вовсе.</a:t>
             </a:r>
           </a:p>
         </p:txBody>
@@ -15083,6 +14907,46 @@
           </a:p>
         </p:txBody>
       </p:sp>
+      <p:pic>
+        <p:nvPicPr>
+          <p:cNvPr id="6" name="Рисунок 5">
+            <a:extLst>
+              <a:ext uri="{FF2B5EF4-FFF2-40B4-BE49-F238E27FC236}">
+                <a16:creationId xmlns:a16="http://schemas.microsoft.com/office/drawing/2014/main" id="{25B2D710-C6BE-42AB-A1E5-D146D070436D}"/>
+              </a:ext>
+            </a:extLst>
+          </p:cNvPr>
+          <p:cNvPicPr>
+            <a:picLocks noChangeAspect="1"/>
+          </p:cNvPicPr>
+          <p:nvPr/>
+        </p:nvPicPr>
+        <p:blipFill>
+          <a:blip r:embed="rId2"/>
+          <a:stretch>
+            <a:fillRect/>
+          </a:stretch>
+        </p:blipFill>
+        <p:spPr>
+          <a:xfrm>
+            <a:off x="5066523" y="3798428"/>
+            <a:ext cx="4646646" cy="2318228"/>
+          </a:xfrm>
+          <a:prstGeom prst="rect">
+            <a:avLst/>
+          </a:prstGeom>
+          <a:ln>
+            <a:noFill/>
+          </a:ln>
+          <a:effectLst>
+            <a:outerShdw blurRad="292100" dist="139700" dir="2700000" algn="tl" rotWithShape="0">
+              <a:srgbClr val="333333">
+                <a:alpha val="65000"/>
+              </a:srgbClr>
+            </a:outerShdw>
+          </a:effectLst>
+        </p:spPr>
+      </p:pic>
     </p:spTree>
     <p:extLst>
       <p:ext uri="{BB962C8B-B14F-4D97-AF65-F5344CB8AC3E}">
@@ -15093,13 +14957,6 @@
   <p:clrMapOvr>
     <a:masterClrMapping/>
   </p:clrMapOvr>
-  <p:timing>
-    <p:tnLst>
-      <p:par>
-        <p:cTn id="1" dur="indefinite" restart="never" nodeType="tmRoot"/>
-      </p:par>
-    </p:tnLst>
-  </p:timing>
 </p:sld>
 </file>
 
@@ -15141,10 +14998,9 @@
           <a:lstStyle/>
           <a:p>
             <a:r>
-              <a:rPr lang="ru-RU" dirty="0" smtClean="0"/>
+              <a:rPr lang="ru-RU" dirty="0"/>
               <a:t>Спасибо за внимание</a:t>
             </a:r>
-            <a:endParaRPr lang="ru-RU" dirty="0"/>
           </a:p>
         </p:txBody>
       </p:sp>
@@ -15217,10 +15073,9 @@
           <a:lstStyle/>
           <a:p>
             <a:r>
-              <a:rPr lang="ru-RU" b="1" dirty="0" smtClean="0"/>
+              <a:rPr lang="ru-RU" b="1" dirty="0"/>
               <a:t>Условия до изменения</a:t>
             </a:r>
-            <a:endParaRPr lang="ru-RU" b="1" dirty="0"/>
           </a:p>
         </p:txBody>
       </p:sp>
@@ -15240,35 +15095,34 @@
           <a:lstStyle/>
           <a:p>
             <a:r>
-              <a:rPr lang="ru-RU" dirty="0" smtClean="0"/>
+              <a:rPr lang="ru-RU" dirty="0"/>
               <a:t>На момент проведения эксперимента, страница обзора курса имеет две опции</a:t>
             </a:r>
             <a:r>
-              <a:rPr lang="en-US" dirty="0" smtClean="0"/>
+              <a:rPr lang="en-US" dirty="0"/>
               <a:t>: </a:t>
             </a:r>
           </a:p>
           <a:p>
             <a:r>
-              <a:rPr lang="ru-RU" dirty="0" smtClean="0"/>
+              <a:rPr lang="ru-RU" dirty="0"/>
               <a:t>«начать бесплатную пробную версию»</a:t>
             </a:r>
             <a:r>
-              <a:rPr lang="en-US" dirty="0" smtClean="0"/>
+              <a:rPr lang="en-US" dirty="0"/>
               <a:t> - </a:t>
             </a:r>
             <a:r>
-              <a:rPr lang="ru-RU" dirty="0" smtClean="0"/>
+              <a:rPr lang="ru-RU" dirty="0"/>
               <a:t>пользователь вводит данные своей кредитной карты, и регистрируется в пробной версии курса, по истечении 14 дней, если пользователь не отменит регистрацию, автоматически будет произведена оплата.</a:t>
             </a:r>
-            <a:endParaRPr lang="en-US" dirty="0" smtClean="0"/>
-          </a:p>
-          <a:p>
-            <a:r>
-              <a:rPr lang="ru-RU" dirty="0" smtClean="0"/>
+            <a:endParaRPr lang="en-US" dirty="0"/>
+          </a:p>
+          <a:p>
+            <a:r>
+              <a:rPr lang="ru-RU" dirty="0"/>
               <a:t>«получить доступ к материалам курса» - пользователь получит доступ ко всем материалам курса, но не сможет получить помощи от наставников и подтверждающего сертификата об окончании курса.</a:t>
             </a:r>
-            <a:endParaRPr lang="ru-RU" dirty="0"/>
           </a:p>
         </p:txBody>
       </p:sp>
@@ -15305,13 +15159,6 @@
   <p:clrMapOvr>
     <a:masterClrMapping/>
   </p:clrMapOvr>
-  <p:timing>
-    <p:tnLst>
-      <p:par>
-        <p:cTn id="1" dur="indefinite" restart="never" nodeType="tmRoot"/>
-      </p:par>
-    </p:tnLst>
-  </p:timing>
 </p:sld>
 </file>
 
@@ -15348,10 +15195,9 @@
           <a:lstStyle/>
           <a:p>
             <a:r>
-              <a:rPr lang="ru-RU" b="1" dirty="0" smtClean="0"/>
+              <a:rPr lang="ru-RU" b="1" dirty="0"/>
               <a:t>Описание изменения</a:t>
             </a:r>
-            <a:endParaRPr lang="ru-RU" b="1" dirty="0"/>
           </a:p>
         </p:txBody>
       </p:sp>
@@ -15371,20 +15217,19 @@
           <a:lstStyle/>
           <a:p>
             <a:r>
-              <a:rPr lang="ru-RU" dirty="0" smtClean="0"/>
+              <a:rPr lang="ru-RU" dirty="0"/>
               <a:t>В ходе эксперимента произведено изменение интерфейса</a:t>
             </a:r>
             <a:r>
-              <a:rPr lang="en-US" dirty="0" smtClean="0"/>
+              <a:rPr lang="en-US" dirty="0"/>
               <a:t>:</a:t>
             </a:r>
           </a:p>
           <a:p>
             <a:r>
-              <a:rPr lang="ru-RU" dirty="0" smtClean="0"/>
+              <a:rPr lang="ru-RU" dirty="0"/>
               <a:t>При нажатии на кнопку «начать бесплатную пробную версию», пользователя спрашивают сколько свободного времени у него в наличии для курса. Если указано 5 и более часов в неделю, процесс оформления проходит как обычно. Если указано менее 5 часов в неделю, появляется сообщение в котором указано что обычно для успешного завершения курса требуется уделять для него 5 и более часов в неделю.</a:t>
             </a:r>
-            <a:endParaRPr lang="ru-RU" dirty="0"/>
           </a:p>
         </p:txBody>
       </p:sp>
@@ -15421,13 +15266,6 @@
   <p:clrMapOvr>
     <a:masterClrMapping/>
   </p:clrMapOvr>
-  <p:timing>
-    <p:tnLst>
-      <p:par>
-        <p:cTn id="1" dur="indefinite" restart="never" nodeType="tmRoot"/>
-      </p:par>
-    </p:tnLst>
-  </p:timing>
 </p:sld>
 </file>
 
@@ -15505,13 +15343,6 @@
   <p:clrMapOvr>
     <a:masterClrMapping/>
   </p:clrMapOvr>
-  <p:timing>
-    <p:tnLst>
-      <p:par>
-        <p:cTn id="1" dur="indefinite" restart="never" nodeType="tmRoot"/>
-      </p:par>
-    </p:tnLst>
-  </p:timing>
 </p:sld>
 </file>
 
@@ -15548,10 +15379,9 @@
           <a:lstStyle/>
           <a:p>
             <a:r>
-              <a:rPr lang="ru-RU" b="1" dirty="0" smtClean="0"/>
+              <a:rPr lang="ru-RU" b="1" dirty="0"/>
               <a:t>Гипотеза</a:t>
             </a:r>
-            <a:endParaRPr lang="ru-RU" b="1" dirty="0"/>
           </a:p>
         </p:txBody>
       </p:sp>
@@ -15571,17 +15401,17 @@
           <a:lstStyle/>
           <a:p>
             <a:r>
-              <a:rPr lang="ru-RU" dirty="0" smtClean="0"/>
+              <a:rPr lang="ru-RU" dirty="0"/>
               <a:t>Данное изменение интерфейса позволит заранее установить для студентов более четкие ожидания о прохождении курса, и тем самым уменьшит количество разочарованных студентов, которые отменят регистрацию на пробную версию курса до того как будет произведена автоматическая оплата. При этом не будет наблюдаться значительного сокращения количества студентов которые будут начинать проходить пробную версию курса.</a:t>
             </a:r>
           </a:p>
           <a:p>
             <a:r>
-              <a:rPr lang="ru-RU" dirty="0" smtClean="0"/>
+              <a:rPr lang="ru-RU" dirty="0"/>
               <a:t>Минимальное изменение, практически значимое для бизнеса положим </a:t>
             </a:r>
             <a:r>
-              <a:rPr lang="en-US" dirty="0" smtClean="0"/>
+              <a:rPr lang="en-US" dirty="0"/>
               <a:t>2%</a:t>
             </a:r>
             <a:endParaRPr lang="ru-RU" dirty="0"/>
@@ -15621,13 +15451,6 @@
   <p:clrMapOvr>
     <a:masterClrMapping/>
   </p:clrMapOvr>
-  <p:timing>
-    <p:tnLst>
-      <p:par>
-        <p:cTn id="1" dur="indefinite" restart="never" nodeType="tmRoot"/>
-      </p:par>
-    </p:tnLst>
-  </p:timing>
 </p:sld>
 </file>
 
@@ -15664,10 +15487,9 @@
           <a:lstStyle/>
           <a:p>
             <a:r>
-              <a:rPr lang="ru-RU" b="1" dirty="0" smtClean="0"/>
+              <a:rPr lang="ru-RU" b="1" dirty="0"/>
               <a:t>Имеются следующие данные</a:t>
             </a:r>
-            <a:endParaRPr lang="ru-RU" b="1" dirty="0"/>
           </a:p>
         </p:txBody>
       </p:sp>
@@ -15694,68 +15516,67 @@
           <a:lstStyle/>
           <a:p>
             <a:r>
-              <a:rPr lang="en-US" b="1" i="1" u="sng" dirty="0" smtClean="0"/>
+              <a:rPr lang="en-US" b="1" i="1" u="sng" dirty="0"/>
               <a:t>Date</a:t>
             </a:r>
             <a:r>
-              <a:rPr lang="en-US" dirty="0" smtClean="0"/>
+              <a:rPr lang="en-US" dirty="0"/>
               <a:t> – </a:t>
             </a:r>
             <a:r>
-              <a:rPr lang="ru-RU" dirty="0" smtClean="0"/>
+              <a:rPr lang="ru-RU" dirty="0"/>
               <a:t>дата сбора данных.</a:t>
             </a:r>
           </a:p>
           <a:p>
             <a:r>
-              <a:rPr lang="en-US" b="1" i="1" u="sng" dirty="0" err="1" smtClean="0"/>
+              <a:rPr lang="en-US" b="1" i="1" u="sng" dirty="0" err="1"/>
               <a:t>Pageviews</a:t>
             </a:r>
             <a:r>
-              <a:rPr lang="en-US" dirty="0" smtClean="0"/>
+              <a:rPr lang="en-US" dirty="0"/>
               <a:t> – </a:t>
             </a:r>
             <a:r>
-              <a:rPr lang="ru-RU" dirty="0" smtClean="0"/>
+              <a:rPr lang="ru-RU" dirty="0"/>
               <a:t>количество уникальных просмотров страницы курса.</a:t>
             </a:r>
             <a:r>
-              <a:rPr lang="en-US" dirty="0" smtClean="0"/>
+              <a:rPr lang="en-US" dirty="0"/>
               <a:t> </a:t>
             </a:r>
           </a:p>
           <a:p>
             <a:r>
-              <a:rPr lang="en-US" b="1" i="1" u="sng" dirty="0" smtClean="0"/>
+              <a:rPr lang="en-US" b="1" i="1" u="sng" dirty="0"/>
               <a:t>Clicks</a:t>
             </a:r>
             <a:r>
-              <a:rPr lang="ru-RU" dirty="0" smtClean="0"/>
+              <a:rPr lang="ru-RU" dirty="0"/>
               <a:t> – количество нажатий на кнопку начала регистрации на пробный период. </a:t>
             </a:r>
-            <a:endParaRPr lang="en-US" dirty="0" smtClean="0"/>
-          </a:p>
-          <a:p>
-            <a:r>
-              <a:rPr lang="en-US" b="1" i="1" u="sng" dirty="0" smtClean="0"/>
+            <a:endParaRPr lang="en-US" dirty="0"/>
+          </a:p>
+          <a:p>
+            <a:r>
+              <a:rPr lang="en-US" b="1" i="1" u="sng" dirty="0"/>
               <a:t>Enrollments</a:t>
             </a:r>
             <a:r>
-              <a:rPr lang="ru-RU" dirty="0" smtClean="0"/>
+              <a:rPr lang="ru-RU" dirty="0"/>
               <a:t> – количество завершенных регистраций.</a:t>
             </a:r>
-            <a:endParaRPr lang="en-US" dirty="0" smtClean="0"/>
-          </a:p>
-          <a:p>
-            <a:r>
-              <a:rPr lang="en-US" b="1" i="1" u="sng" dirty="0" smtClean="0"/>
+            <a:endParaRPr lang="en-US" dirty="0"/>
+          </a:p>
+          <a:p>
+            <a:r>
+              <a:rPr lang="en-US" b="1" i="1" u="sng" dirty="0"/>
               <a:t>Payments</a:t>
             </a:r>
             <a:r>
-              <a:rPr lang="ru-RU" dirty="0" smtClean="0"/>
+              <a:rPr lang="ru-RU" dirty="0"/>
               <a:t> – количество платящих пользователей после пробного периода.</a:t>
             </a:r>
-            <a:endParaRPr lang="ru-RU" dirty="0"/>
           </a:p>
         </p:txBody>
       </p:sp>
@@ -15826,13 +15647,6 @@
   <p:clrMapOvr>
     <a:masterClrMapping/>
   </p:clrMapOvr>
-  <p:timing>
-    <p:tnLst>
-      <p:par>
-        <p:cTn id="1" dur="indefinite" restart="never" nodeType="tmRoot"/>
-      </p:par>
-    </p:tnLst>
-  </p:timing>
 </p:sld>
 </file>
 
@@ -15895,7 +15709,7 @@
           <a:lstStyle/>
           <a:p>
             <a:r>
-              <a:rPr lang="en-US" b="1" i="1" u="sng" dirty="0" err="1" smtClean="0"/>
+              <a:rPr lang="en-US" b="1" i="1" u="sng" dirty="0" err="1"/>
               <a:t>Pageviews</a:t>
             </a:r>
             <a:endParaRPr lang="ru-RU" b="1" i="1" u="sng" dirty="0"/>
@@ -15947,7 +15761,7 @@
           <a:lstStyle/>
           <a:p>
             <a:r>
-              <a:rPr lang="en-US" dirty="0" err="1" smtClean="0"/>
+              <a:rPr lang="en-US" dirty="0" err="1"/>
               <a:t>Pageviews</a:t>
             </a:r>
             <a:endParaRPr lang="ru-RU" dirty="0"/>
@@ -16001,7 +15815,7 @@
                     <a:lstStyle/>
                     <a:p>
                       <a:r>
-                        <a:rPr lang="en-US" dirty="0" smtClean="0"/>
+                        <a:rPr lang="en-US" dirty="0"/>
                         <a:t>Minimum</a:t>
                       </a:r>
                       <a:endParaRPr lang="ru-RU" dirty="0"/>
@@ -16035,7 +15849,7 @@
                     <a:p>
                       <a:pPr algn="ctr"/>
                       <a:r>
-                        <a:rPr lang="en-US" dirty="0" smtClean="0"/>
+                        <a:rPr lang="en-US" dirty="0"/>
                         <a:t>7434</a:t>
                       </a:r>
                       <a:endParaRPr lang="ru-RU" dirty="0"/>
@@ -16075,7 +15889,7 @@
                     <a:lstStyle/>
                     <a:p>
                       <a:r>
-                        <a:rPr lang="en-US" dirty="0" smtClean="0"/>
+                        <a:rPr lang="en-US" dirty="0"/>
                         <a:t>5-th percentile</a:t>
                       </a:r>
                       <a:endParaRPr lang="ru-RU" dirty="0"/>
@@ -16100,7 +15914,7 @@
                     <a:p>
                       <a:pPr algn="ctr"/>
                       <a:r>
-                        <a:rPr lang="en-US" dirty="0" smtClean="0"/>
+                        <a:rPr lang="en-US" dirty="0"/>
                         <a:t>8203</a:t>
                       </a:r>
                       <a:endParaRPr lang="ru-RU" dirty="0"/>
@@ -16148,10 +15962,10 @@
                         <a:defRPr/>
                       </a:pPr>
                       <a:r>
-                        <a:rPr lang="en-US" dirty="0" smtClean="0"/>
+                        <a:rPr lang="en-US" dirty="0"/>
                         <a:t>25-th percentile</a:t>
                       </a:r>
-                      <a:endParaRPr lang="ru-RU" dirty="0" smtClean="0"/>
+                      <a:endParaRPr lang="ru-RU" dirty="0"/>
                     </a:p>
                   </a:txBody>
                   <a:tcPr>
@@ -16173,7 +15987,7 @@
                     <a:p>
                       <a:pPr algn="ctr"/>
                       <a:r>
-                        <a:rPr lang="en-US" dirty="0" smtClean="0"/>
+                        <a:rPr lang="en-US" dirty="0"/>
                         <a:t>8896</a:t>
                       </a:r>
                       <a:endParaRPr lang="ru-RU" dirty="0"/>
@@ -16204,7 +16018,7 @@
                     <a:lstStyle/>
                     <a:p>
                       <a:r>
-                        <a:rPr lang="en-US" dirty="0" smtClean="0"/>
+                        <a:rPr lang="en-US" dirty="0"/>
                         <a:t>median</a:t>
                       </a:r>
                       <a:endParaRPr lang="ru-RU" dirty="0"/>
@@ -16229,7 +16043,7 @@
                     <a:p>
                       <a:pPr algn="ctr"/>
                       <a:r>
-                        <a:rPr lang="en-US" dirty="0" smtClean="0"/>
+                        <a:rPr lang="en-US" dirty="0"/>
                         <a:t>9420</a:t>
                       </a:r>
                       <a:endParaRPr lang="ru-RU" dirty="0"/>
@@ -16280,10 +16094,10 @@
                         <a:defRPr/>
                       </a:pPr>
                       <a:r>
-                        <a:rPr lang="en-US" dirty="0" smtClean="0"/>
+                        <a:rPr lang="en-US" dirty="0"/>
                         <a:t>75-th percentile</a:t>
                       </a:r>
-                      <a:endParaRPr lang="ru-RU" dirty="0" smtClean="0"/>
+                      <a:endParaRPr lang="ru-RU" dirty="0"/>
                     </a:p>
                   </a:txBody>
                   <a:tcPr>
@@ -16308,7 +16122,7 @@
                     <a:p>
                       <a:pPr algn="ctr"/>
                       <a:r>
-                        <a:rPr lang="en-US" dirty="0" smtClean="0"/>
+                        <a:rPr lang="en-US" dirty="0"/>
                         <a:t>9871</a:t>
                       </a:r>
                       <a:endParaRPr lang="ru-RU" dirty="0"/>
@@ -16373,10 +16187,10 @@
                         <a:defRPr/>
                       </a:pPr>
                       <a:r>
-                        <a:rPr lang="en-US" dirty="0" smtClean="0"/>
+                        <a:rPr lang="en-US" dirty="0"/>
                         <a:t>95-th percentile</a:t>
                       </a:r>
-                      <a:endParaRPr lang="ru-RU" dirty="0" smtClean="0"/>
+                      <a:endParaRPr lang="ru-RU" dirty="0"/>
                     </a:p>
                   </a:txBody>
                   <a:tcPr>
@@ -16398,7 +16212,7 @@
                     <a:p>
                       <a:pPr algn="ctr"/>
                       <a:r>
-                        <a:rPr lang="en-US" dirty="0" smtClean="0"/>
+                        <a:rPr lang="en-US" dirty="0"/>
                         <a:t>10541</a:t>
                       </a:r>
                       <a:endParaRPr lang="ru-RU" dirty="0"/>
@@ -16449,10 +16263,10 @@
                         <a:defRPr/>
                       </a:pPr>
                       <a:r>
-                        <a:rPr lang="en-US" dirty="0" smtClean="0"/>
+                        <a:rPr lang="en-US" dirty="0"/>
                         <a:t>Maximum</a:t>
                       </a:r>
-                      <a:endParaRPr lang="ru-RU" dirty="0" smtClean="0"/>
+                      <a:endParaRPr lang="ru-RU" dirty="0"/>
                     </a:p>
                   </a:txBody>
                   <a:tcPr>
@@ -16490,10 +16304,10 @@
                         <a:defRPr/>
                       </a:pPr>
                       <a:r>
-                        <a:rPr lang="en-US" dirty="0" smtClean="0"/>
+                        <a:rPr lang="en-US" dirty="0"/>
                         <a:t>10667</a:t>
                       </a:r>
-                      <a:endParaRPr lang="ru-RU" dirty="0" smtClean="0"/>
+                      <a:endParaRPr lang="ru-RU" dirty="0"/>
                     </a:p>
                   </a:txBody>
                   <a:tcPr>
@@ -16521,7 +16335,7 @@
                     <a:lstStyle/>
                     <a:p>
                       <a:r>
-                        <a:rPr lang="en-US" dirty="0" smtClean="0"/>
+                        <a:rPr lang="en-US" dirty="0"/>
                         <a:t>Interquartile range</a:t>
                       </a:r>
                       <a:endParaRPr lang="ru-RU" dirty="0"/>
@@ -16546,7 +16360,7 @@
                     <a:p>
                       <a:pPr algn="ctr"/>
                       <a:r>
-                        <a:rPr lang="en-US" dirty="0" smtClean="0"/>
+                        <a:rPr lang="en-US" dirty="0"/>
                         <a:t>975</a:t>
                       </a:r>
                       <a:endParaRPr lang="ru-RU" dirty="0"/>
@@ -16577,7 +16391,7 @@
                     <a:lstStyle/>
                     <a:p>
                       <a:r>
-                        <a:rPr lang="en-US" dirty="0" smtClean="0"/>
+                        <a:rPr lang="en-US" dirty="0"/>
                         <a:t>mean</a:t>
                       </a:r>
                       <a:endParaRPr lang="ru-RU" dirty="0"/>
@@ -16602,7 +16416,7 @@
                     <a:p>
                       <a:pPr algn="ctr"/>
                       <a:r>
-                        <a:rPr lang="en-US" dirty="0" smtClean="0"/>
+                        <a:rPr lang="en-US" dirty="0"/>
                         <a:t>9339</a:t>
                       </a:r>
                       <a:endParaRPr lang="ru-RU" dirty="0"/>
@@ -16633,11 +16447,11 @@
                     <a:lstStyle/>
                     <a:p>
                       <a:r>
-                        <a:rPr lang="en-US" dirty="0" smtClean="0"/>
+                        <a:rPr lang="en-US" dirty="0"/>
                         <a:t>Standard</a:t>
                       </a:r>
                       <a:r>
-                        <a:rPr lang="en-US" baseline="0" dirty="0" smtClean="0"/>
+                        <a:rPr lang="en-US" baseline="0" dirty="0"/>
                         <a:t> deviation</a:t>
                       </a:r>
                       <a:endParaRPr lang="ru-RU" dirty="0"/>
@@ -16671,7 +16485,7 @@
                     <a:p>
                       <a:pPr algn="ctr"/>
                       <a:r>
-                        <a:rPr lang="en-US" dirty="0" smtClean="0"/>
+                        <a:rPr lang="en-US" dirty="0"/>
                         <a:t>740</a:t>
                       </a:r>
                       <a:endParaRPr lang="ru-RU" dirty="0"/>
@@ -16718,13 +16532,6 @@
   <p:clrMapOvr>
     <a:masterClrMapping/>
   </p:clrMapOvr>
-  <p:timing>
-    <p:tnLst>
-      <p:par>
-        <p:cTn id="1" dur="indefinite" restart="never" nodeType="tmRoot"/>
-      </p:par>
-    </p:tnLst>
-  </p:timing>
 </p:sld>
 </file>
 
@@ -16761,11 +16568,11 @@
           <a:lstStyle/>
           <a:p>
             <a:r>
-              <a:rPr lang="ru-RU" b="1" i="1" u="sng" dirty="0" smtClean="0"/>
+              <a:rPr lang="ru-RU" b="1" i="1" u="sng" dirty="0"/>
               <a:t>С</a:t>
             </a:r>
             <a:r>
-              <a:rPr lang="en-US" b="1" i="1" u="sng" dirty="0" smtClean="0"/>
+              <a:rPr lang="en-US" b="1" i="1" u="sng" dirty="0"/>
               <a:t>licks</a:t>
             </a:r>
             <a:endParaRPr lang="ru-RU" b="1" i="1" u="sng" dirty="0"/>
@@ -16843,11 +16650,11 @@
           <a:lstStyle/>
           <a:p>
             <a:r>
-              <a:rPr lang="ru-RU" dirty="0" smtClean="0"/>
+              <a:rPr lang="ru-RU" dirty="0"/>
               <a:t>С</a:t>
             </a:r>
             <a:r>
-              <a:rPr lang="en-US" dirty="0" smtClean="0"/>
+              <a:rPr lang="en-US" dirty="0"/>
               <a:t>licks</a:t>
             </a:r>
             <a:endParaRPr lang="ru-RU" dirty="0"/>
@@ -16901,7 +16708,7 @@
                     <a:lstStyle/>
                     <a:p>
                       <a:r>
-                        <a:rPr lang="en-US" dirty="0" smtClean="0"/>
+                        <a:rPr lang="en-US" dirty="0"/>
                         <a:t>Minimum</a:t>
                       </a:r>
                       <a:endParaRPr lang="ru-RU" dirty="0"/>
@@ -16935,10 +16742,9 @@
                     <a:p>
                       <a:pPr algn="ctr"/>
                       <a:r>
-                        <a:rPr lang="ru-RU" dirty="0" smtClean="0"/>
+                        <a:rPr lang="ru-RU" dirty="0"/>
                         <a:t>632</a:t>
                       </a:r>
-                      <a:endParaRPr lang="ru-RU" dirty="0"/>
                     </a:p>
                   </a:txBody>
                   <a:tcPr>
@@ -16975,7 +16781,7 @@
                     <a:lstStyle/>
                     <a:p>
                       <a:r>
-                        <a:rPr lang="en-US" dirty="0" smtClean="0"/>
+                        <a:rPr lang="en-US" dirty="0"/>
                         <a:t>5-th percentile</a:t>
                       </a:r>
                       <a:endParaRPr lang="ru-RU" dirty="0"/>
@@ -17000,10 +16806,9 @@
                     <a:p>
                       <a:pPr algn="ctr"/>
                       <a:r>
-                        <a:rPr lang="ru-RU" dirty="0" smtClean="0"/>
+                        <a:rPr lang="ru-RU" dirty="0"/>
                         <a:t>671</a:t>
                       </a:r>
-                      <a:endParaRPr lang="ru-RU" dirty="0"/>
                     </a:p>
                   </a:txBody>
                   <a:tcPr>
@@ -17048,10 +16853,10 @@
                         <a:defRPr/>
                       </a:pPr>
                       <a:r>
-                        <a:rPr lang="en-US" dirty="0" smtClean="0"/>
+                        <a:rPr lang="en-US" dirty="0"/>
                         <a:t>25-th percentile</a:t>
                       </a:r>
-                      <a:endParaRPr lang="ru-RU" dirty="0" smtClean="0"/>
+                      <a:endParaRPr lang="ru-RU" dirty="0"/>
                     </a:p>
                   </a:txBody>
                   <a:tcPr>
@@ -17073,10 +16878,9 @@
                     <a:p>
                       <a:pPr algn="ctr"/>
                       <a:r>
-                        <a:rPr lang="ru-RU" dirty="0" smtClean="0"/>
+                        <a:rPr lang="ru-RU" dirty="0"/>
                         <a:t>708</a:t>
                       </a:r>
-                      <a:endParaRPr lang="ru-RU" dirty="0"/>
                     </a:p>
                   </a:txBody>
                   <a:tcPr>
@@ -17104,7 +16908,7 @@
                     <a:lstStyle/>
                     <a:p>
                       <a:r>
-                        <a:rPr lang="en-US" dirty="0" smtClean="0"/>
+                        <a:rPr lang="en-US" dirty="0"/>
                         <a:t>median</a:t>
                       </a:r>
                       <a:endParaRPr lang="ru-RU" dirty="0"/>
@@ -17129,10 +16933,9 @@
                     <a:p>
                       <a:pPr algn="ctr"/>
                       <a:r>
-                        <a:rPr lang="ru-RU" dirty="0" smtClean="0"/>
+                        <a:rPr lang="ru-RU" dirty="0"/>
                         <a:t>759</a:t>
                       </a:r>
-                      <a:endParaRPr lang="ru-RU" dirty="0"/>
                     </a:p>
                   </a:txBody>
                   <a:tcPr>
@@ -17180,10 +16983,10 @@
                         <a:defRPr/>
                       </a:pPr>
                       <a:r>
-                        <a:rPr lang="en-US" dirty="0" smtClean="0"/>
+                        <a:rPr lang="en-US" dirty="0"/>
                         <a:t>75-th percentile</a:t>
                       </a:r>
-                      <a:endParaRPr lang="ru-RU" dirty="0" smtClean="0"/>
+                      <a:endParaRPr lang="ru-RU" dirty="0"/>
                     </a:p>
                   </a:txBody>
                   <a:tcPr>
@@ -17208,10 +17011,9 @@
                     <a:p>
                       <a:pPr algn="ctr"/>
                       <a:r>
-                        <a:rPr lang="ru-RU" dirty="0" smtClean="0"/>
+                        <a:rPr lang="ru-RU" dirty="0"/>
                         <a:t>825</a:t>
                       </a:r>
-                      <a:endParaRPr lang="ru-RU" dirty="0"/>
                     </a:p>
                   </a:txBody>
                   <a:tcPr>
@@ -17273,10 +17075,10 @@
                         <a:defRPr/>
                       </a:pPr>
                       <a:r>
-                        <a:rPr lang="en-US" dirty="0" smtClean="0"/>
+                        <a:rPr lang="en-US" dirty="0"/>
                         <a:t>95-th percentile</a:t>
                       </a:r>
-                      <a:endParaRPr lang="ru-RU" dirty="0" smtClean="0"/>
+                      <a:endParaRPr lang="ru-RU" dirty="0"/>
                     </a:p>
                   </a:txBody>
                   <a:tcPr>
@@ -17298,10 +17100,9 @@
                     <a:p>
                       <a:pPr algn="ctr"/>
                       <a:r>
-                        <a:rPr lang="ru-RU" dirty="0" smtClean="0"/>
+                        <a:rPr lang="ru-RU" dirty="0"/>
                         <a:t>868</a:t>
                       </a:r>
-                      <a:endParaRPr lang="ru-RU" dirty="0"/>
                     </a:p>
                   </a:txBody>
                   <a:tcPr>
@@ -17349,10 +17150,10 @@
                         <a:defRPr/>
                       </a:pPr>
                       <a:r>
-                        <a:rPr lang="en-US" dirty="0" smtClean="0"/>
+                        <a:rPr lang="en-US" dirty="0"/>
                         <a:t>Maximum</a:t>
                       </a:r>
-                      <a:endParaRPr lang="ru-RU" dirty="0" smtClean="0"/>
+                      <a:endParaRPr lang="ru-RU" dirty="0"/>
                     </a:p>
                   </a:txBody>
                   <a:tcPr>
@@ -17390,7 +17191,7 @@
                         <a:defRPr/>
                       </a:pPr>
                       <a:r>
-                        <a:rPr lang="ru-RU" dirty="0" smtClean="0"/>
+                        <a:rPr lang="ru-RU" dirty="0"/>
                         <a:t>909</a:t>
                       </a:r>
                     </a:p>
@@ -17420,7 +17221,7 @@
                     <a:lstStyle/>
                     <a:p>
                       <a:r>
-                        <a:rPr lang="en-US" dirty="0" smtClean="0"/>
+                        <a:rPr lang="en-US" dirty="0"/>
                         <a:t>Interquartile range</a:t>
                       </a:r>
                       <a:endParaRPr lang="ru-RU" dirty="0"/>
@@ -17445,10 +17246,9 @@
                     <a:p>
                       <a:pPr algn="ctr"/>
                       <a:r>
-                        <a:rPr lang="ru-RU" dirty="0" smtClean="0"/>
+                        <a:rPr lang="ru-RU" dirty="0"/>
                         <a:t>117</a:t>
                       </a:r>
-                      <a:endParaRPr lang="ru-RU" dirty="0"/>
                     </a:p>
                   </a:txBody>
                   <a:tcPr>
@@ -17476,7 +17276,7 @@
                     <a:lstStyle/>
                     <a:p>
                       <a:r>
-                        <a:rPr lang="en-US" dirty="0" smtClean="0"/>
+                        <a:rPr lang="en-US" dirty="0"/>
                         <a:t>mean</a:t>
                       </a:r>
                       <a:endParaRPr lang="ru-RU" dirty="0"/>
@@ -17501,10 +17301,9 @@
                     <a:p>
                       <a:pPr algn="ctr"/>
                       <a:r>
-                        <a:rPr lang="ru-RU" dirty="0" smtClean="0"/>
+                        <a:rPr lang="ru-RU" dirty="0"/>
                         <a:t>767</a:t>
                       </a:r>
-                      <a:endParaRPr lang="ru-RU" dirty="0"/>
                     </a:p>
                   </a:txBody>
                   <a:tcPr>
@@ -17532,11 +17331,11 @@
                     <a:lstStyle/>
                     <a:p>
                       <a:r>
-                        <a:rPr lang="en-US" dirty="0" smtClean="0"/>
+                        <a:rPr lang="en-US" dirty="0"/>
                         <a:t>Standard</a:t>
                       </a:r>
                       <a:r>
-                        <a:rPr lang="en-US" baseline="0" dirty="0" smtClean="0"/>
+                        <a:rPr lang="en-US" baseline="0" dirty="0"/>
                         <a:t> deviation</a:t>
                       </a:r>
                       <a:endParaRPr lang="ru-RU" dirty="0"/>
@@ -17570,10 +17369,9 @@
                     <a:p>
                       <a:pPr algn="ctr"/>
                       <a:r>
-                        <a:rPr lang="ru-RU" dirty="0" smtClean="0"/>
+                        <a:rPr lang="ru-RU" dirty="0"/>
                         <a:t>68</a:t>
                       </a:r>
-                      <a:endParaRPr lang="ru-RU" dirty="0"/>
                     </a:p>
                   </a:txBody>
                   <a:tcPr>
@@ -17617,13 +17415,6 @@
   <p:clrMapOvr>
     <a:masterClrMapping/>
   </p:clrMapOvr>
-  <p:timing>
-    <p:tnLst>
-      <p:par>
-        <p:cTn id="1" dur="indefinite" restart="never" nodeType="tmRoot"/>
-      </p:par>
-    </p:tnLst>
-  </p:timing>
 </p:sld>
 </file>
 
